--- a/prl/fig.pptx
+++ b/prl/fig.pptx
@@ -104,6 +104,11 @@
       </a:defRPr>
     </a:lvl9pPr>
   </p:defaultTextStyle>
+  <p:extLst>
+    <p:ext uri="{EFAFB233-063F-42B5-8137-9DF3F51BA10A}">
+      <p15:sldGuideLst xmlns:p15="http://schemas.microsoft.com/office/powerpoint/2012/main"/>
+    </p:ext>
+  </p:extLst>
 </p:presentation>
 </file>
 
@@ -254,7 +259,7 @@
           <a:p>
             <a:fld id="{CFC89DF1-A1BF-4E9B-A4A4-A3AC5D7F5284}" type="datetimeFigureOut">
               <a:rPr lang="en-US" smtClean="0"/>
-              <a:t>11/10/2018</a:t>
+              <a:t>11/20/2018</a:t>
             </a:fld>
             <a:endParaRPr lang="en-US"/>
           </a:p>
@@ -452,7 +457,7 @@
           <a:p>
             <a:fld id="{CFC89DF1-A1BF-4E9B-A4A4-A3AC5D7F5284}" type="datetimeFigureOut">
               <a:rPr lang="en-US" smtClean="0"/>
-              <a:t>11/10/2018</a:t>
+              <a:t>11/20/2018</a:t>
             </a:fld>
             <a:endParaRPr lang="en-US"/>
           </a:p>
@@ -660,7 +665,7 @@
           <a:p>
             <a:fld id="{CFC89DF1-A1BF-4E9B-A4A4-A3AC5D7F5284}" type="datetimeFigureOut">
               <a:rPr lang="en-US" smtClean="0"/>
-              <a:t>11/10/2018</a:t>
+              <a:t>11/20/2018</a:t>
             </a:fld>
             <a:endParaRPr lang="en-US"/>
           </a:p>
@@ -858,7 +863,7 @@
           <a:p>
             <a:fld id="{CFC89DF1-A1BF-4E9B-A4A4-A3AC5D7F5284}" type="datetimeFigureOut">
               <a:rPr lang="en-US" smtClean="0"/>
-              <a:t>11/10/2018</a:t>
+              <a:t>11/20/2018</a:t>
             </a:fld>
             <a:endParaRPr lang="en-US"/>
           </a:p>
@@ -1133,7 +1138,7 @@
           <a:p>
             <a:fld id="{CFC89DF1-A1BF-4E9B-A4A4-A3AC5D7F5284}" type="datetimeFigureOut">
               <a:rPr lang="en-US" smtClean="0"/>
-              <a:t>11/10/2018</a:t>
+              <a:t>11/20/2018</a:t>
             </a:fld>
             <a:endParaRPr lang="en-US"/>
           </a:p>
@@ -1398,7 +1403,7 @@
           <a:p>
             <a:fld id="{CFC89DF1-A1BF-4E9B-A4A4-A3AC5D7F5284}" type="datetimeFigureOut">
               <a:rPr lang="en-US" smtClean="0"/>
-              <a:t>11/10/2018</a:t>
+              <a:t>11/20/2018</a:t>
             </a:fld>
             <a:endParaRPr lang="en-US"/>
           </a:p>
@@ -1810,7 +1815,7 @@
           <a:p>
             <a:fld id="{CFC89DF1-A1BF-4E9B-A4A4-A3AC5D7F5284}" type="datetimeFigureOut">
               <a:rPr lang="en-US" smtClean="0"/>
-              <a:t>11/10/2018</a:t>
+              <a:t>11/20/2018</a:t>
             </a:fld>
             <a:endParaRPr lang="en-US"/>
           </a:p>
@@ -1951,7 +1956,7 @@
           <a:p>
             <a:fld id="{CFC89DF1-A1BF-4E9B-A4A4-A3AC5D7F5284}" type="datetimeFigureOut">
               <a:rPr lang="en-US" smtClean="0"/>
-              <a:t>11/10/2018</a:t>
+              <a:t>11/20/2018</a:t>
             </a:fld>
             <a:endParaRPr lang="en-US"/>
           </a:p>
@@ -2064,7 +2069,7 @@
           <a:p>
             <a:fld id="{CFC89DF1-A1BF-4E9B-A4A4-A3AC5D7F5284}" type="datetimeFigureOut">
               <a:rPr lang="en-US" smtClean="0"/>
-              <a:t>11/10/2018</a:t>
+              <a:t>11/20/2018</a:t>
             </a:fld>
             <a:endParaRPr lang="en-US"/>
           </a:p>
@@ -2375,7 +2380,7 @@
           <a:p>
             <a:fld id="{CFC89DF1-A1BF-4E9B-A4A4-A3AC5D7F5284}" type="datetimeFigureOut">
               <a:rPr lang="en-US" smtClean="0"/>
-              <a:t>11/10/2018</a:t>
+              <a:t>11/20/2018</a:t>
             </a:fld>
             <a:endParaRPr lang="en-US"/>
           </a:p>
@@ -2663,7 +2668,7 @@
           <a:p>
             <a:fld id="{CFC89DF1-A1BF-4E9B-A4A4-A3AC5D7F5284}" type="datetimeFigureOut">
               <a:rPr lang="en-US" smtClean="0"/>
-              <a:t>11/10/2018</a:t>
+              <a:t>11/20/2018</a:t>
             </a:fld>
             <a:endParaRPr lang="en-US"/>
           </a:p>
@@ -2904,7 +2909,7 @@
           <a:p>
             <a:fld id="{CFC89DF1-A1BF-4E9B-A4A4-A3AC5D7F5284}" type="datetimeFigureOut">
               <a:rPr lang="en-US" smtClean="0"/>
-              <a:t>11/10/2018</a:t>
+              <a:t>11/20/2018</a:t>
             </a:fld>
             <a:endParaRPr lang="en-US"/>
           </a:p>
@@ -3323,10 +3328,10 @@
       </p:grpSpPr>
       <p:sp>
         <p:nvSpPr>
-          <p:cNvPr id="4" name="Cube 3">
-            <a:extLst>
-              <a:ext uri="{FF2B5EF4-FFF2-40B4-BE49-F238E27FC236}">
-                <a16:creationId xmlns:a16="http://schemas.microsoft.com/office/drawing/2014/main" id="{CC19A0B8-A6AF-4F87-A7EC-D14CB4FAD580}"/>
+          <p:cNvPr id="5" name="Cube 4">
+            <a:extLst>
+              <a:ext uri="{FF2B5EF4-FFF2-40B4-BE49-F238E27FC236}">
+                <a16:creationId xmlns:a16="http://schemas.microsoft.com/office/drawing/2014/main" id="{5A94FB79-4078-457C-AA11-0A8259AF4915}"/>
               </a:ext>
             </a:extLst>
           </p:cNvPr>
@@ -3335,14 +3340,20 @@
         </p:nvSpPr>
         <p:spPr>
           <a:xfrm>
-            <a:off x="2155847" y="2456199"/>
-            <a:ext cx="5673285" cy="1862172"/>
+            <a:off x="2744200" y="1638796"/>
+            <a:ext cx="5854263" cy="1400503"/>
           </a:xfrm>
           <a:prstGeom prst="cube">
-            <a:avLst>
-              <a:gd name="adj" fmla="val 23208"/>
-            </a:avLst>
+            <a:avLst/>
           </a:prstGeom>
+          <a:solidFill>
+            <a:schemeClr val="bg1"/>
+          </a:solidFill>
+          <a:ln w="25400">
+            <a:solidFill>
+              <a:schemeClr val="tx1"/>
+            </a:solidFill>
+          </a:ln>
         </p:spPr>
         <p:style>
           <a:lnRef idx="2">
@@ -3365,10 +3376,2925 @@
           <a:lstStyle/>
           <a:p>
             <a:pPr algn="ctr"/>
+            <a:endParaRPr lang="en-US" dirty="0"/>
+          </a:p>
+        </p:txBody>
+      </p:sp>
+      <p:sp>
+        <p:nvSpPr>
+          <p:cNvPr id="2" name="Rectangle 1">
+            <a:extLst>
+              <a:ext uri="{FF2B5EF4-FFF2-40B4-BE49-F238E27FC236}">
+                <a16:creationId xmlns:a16="http://schemas.microsoft.com/office/drawing/2014/main" id="{1A701332-68B2-4D35-90A9-1F6C30B1C2AE}"/>
+              </a:ext>
+            </a:extLst>
+          </p:cNvPr>
+          <p:cNvSpPr/>
+          <p:nvPr/>
+        </p:nvSpPr>
+        <p:spPr>
+          <a:xfrm>
+            <a:off x="3415870" y="4508938"/>
+            <a:ext cx="4151560" cy="882870"/>
+          </a:xfrm>
+          <a:prstGeom prst="rect">
+            <a:avLst/>
+          </a:prstGeom>
+          <a:solidFill>
+            <a:schemeClr val="bg1"/>
+          </a:solidFill>
+          <a:ln w="63500">
+            <a:solidFill>
+              <a:schemeClr val="accent5"/>
+            </a:solidFill>
+          </a:ln>
+        </p:spPr>
+        <p:style>
+          <a:lnRef idx="2">
+            <a:schemeClr val="dk1"/>
+          </a:lnRef>
+          <a:fillRef idx="1">
+            <a:schemeClr val="lt1"/>
+          </a:fillRef>
+          <a:effectRef idx="0">
+            <a:schemeClr val="dk1"/>
+          </a:effectRef>
+          <a:fontRef idx="minor">
+            <a:schemeClr val="dk1"/>
+          </a:fontRef>
+        </p:style>
+        <p:txBody>
+          <a:bodyPr rtlCol="0" anchor="ctr"/>
+          <a:lstStyle/>
+          <a:p>
+            <a:pPr algn="ctr"/>
+            <a:r>
+              <a:rPr lang="en-US" sz="3600" b="1" dirty="0"/>
+              <a:t>Parametric process</a:t>
+            </a:r>
+          </a:p>
+        </p:txBody>
+      </p:sp>
+      <p:sp>
+        <p:nvSpPr>
+          <p:cNvPr id="6" name="Arrow: Right 5">
+            <a:extLst>
+              <a:ext uri="{FF2B5EF4-FFF2-40B4-BE49-F238E27FC236}">
+                <a16:creationId xmlns:a16="http://schemas.microsoft.com/office/drawing/2014/main" id="{9B8CEDA6-565F-499B-82B1-8BCD2AFE2099}"/>
+              </a:ext>
+            </a:extLst>
+          </p:cNvPr>
+          <p:cNvSpPr/>
+          <p:nvPr/>
+        </p:nvSpPr>
+        <p:spPr>
+          <a:xfrm rot="16200000">
+            <a:off x="5013433" y="5207874"/>
+            <a:ext cx="882869" cy="1282265"/>
+          </a:xfrm>
+          <a:prstGeom prst="rightArrow">
+            <a:avLst/>
+          </a:prstGeom>
+          <a:solidFill>
+            <a:schemeClr val="bg1"/>
+          </a:solidFill>
+          <a:ln w="63500">
+            <a:solidFill>
+              <a:srgbClr val="7030A0"/>
+            </a:solidFill>
+          </a:ln>
+        </p:spPr>
+        <p:style>
+          <a:lnRef idx="2">
+            <a:schemeClr val="accent1">
+              <a:shade val="50000"/>
+            </a:schemeClr>
+          </a:lnRef>
+          <a:fillRef idx="1">
+            <a:schemeClr val="accent1"/>
+          </a:fillRef>
+          <a:effectRef idx="0">
+            <a:schemeClr val="accent1"/>
+          </a:effectRef>
+          <a:fontRef idx="minor">
+            <a:schemeClr val="lt1"/>
+          </a:fontRef>
+        </p:style>
+        <p:txBody>
+          <a:bodyPr rtlCol="0" anchor="ctr"/>
+          <a:lstStyle/>
+          <a:p>
+            <a:pPr algn="ctr"/>
             <a:endParaRPr lang="en-US"/>
           </a:p>
         </p:txBody>
       </p:sp>
+      <p:grpSp>
+        <p:nvGrpSpPr>
+          <p:cNvPr id="17" name="Group 16">
+            <a:extLst>
+              <a:ext uri="{FF2B5EF4-FFF2-40B4-BE49-F238E27FC236}">
+                <a16:creationId xmlns:a16="http://schemas.microsoft.com/office/drawing/2014/main" id="{FB1FEBFF-D881-4DD9-82AE-C75F8B952044}"/>
+              </a:ext>
+            </a:extLst>
+          </p:cNvPr>
+          <p:cNvGrpSpPr/>
+          <p:nvPr/>
+        </p:nvGrpSpPr>
+        <p:grpSpPr>
+          <a:xfrm>
+            <a:off x="673331" y="2170386"/>
+            <a:ext cx="367193" cy="2438400"/>
+            <a:chOff x="515009" y="2170386"/>
+            <a:chExt cx="525515" cy="2438400"/>
+          </a:xfrm>
+        </p:grpSpPr>
+        <p:cxnSp>
+          <p:nvCxnSpPr>
+            <p:cNvPr id="8" name="Straight Connector 7">
+              <a:extLst>
+                <a:ext uri="{FF2B5EF4-FFF2-40B4-BE49-F238E27FC236}">
+                  <a16:creationId xmlns:a16="http://schemas.microsoft.com/office/drawing/2014/main" id="{918AAC88-A68B-4790-9805-AF4422372AD4}"/>
+                </a:ext>
+              </a:extLst>
+            </p:cNvPr>
+            <p:cNvCxnSpPr/>
+            <p:nvPr/>
+          </p:nvCxnSpPr>
+          <p:spPr>
+            <a:xfrm>
+              <a:off x="1019504" y="2170386"/>
+              <a:ext cx="0" cy="2438400"/>
+            </a:xfrm>
+            <a:prstGeom prst="line">
+              <a:avLst/>
+            </a:prstGeom>
+            <a:ln w="38100"/>
+          </p:spPr>
+          <p:style>
+            <a:lnRef idx="1">
+              <a:schemeClr val="dk1"/>
+            </a:lnRef>
+            <a:fillRef idx="0">
+              <a:schemeClr val="dk1"/>
+            </a:fillRef>
+            <a:effectRef idx="0">
+              <a:schemeClr val="dk1"/>
+            </a:effectRef>
+            <a:fontRef idx="minor">
+              <a:schemeClr val="tx1"/>
+            </a:fontRef>
+          </p:style>
+        </p:cxnSp>
+        <p:cxnSp>
+          <p:nvCxnSpPr>
+            <p:cNvPr id="10" name="Straight Connector 9">
+              <a:extLst>
+                <a:ext uri="{FF2B5EF4-FFF2-40B4-BE49-F238E27FC236}">
+                  <a16:creationId xmlns:a16="http://schemas.microsoft.com/office/drawing/2014/main" id="{09FC035C-83AE-49F8-A39E-97704327CB50}"/>
+                </a:ext>
+              </a:extLst>
+            </p:cNvPr>
+            <p:cNvCxnSpPr/>
+            <p:nvPr/>
+          </p:nvCxnSpPr>
+          <p:spPr>
+            <a:xfrm flipH="1">
+              <a:off x="557048" y="2543503"/>
+              <a:ext cx="483476" cy="336331"/>
+            </a:xfrm>
+            <a:prstGeom prst="line">
+              <a:avLst/>
+            </a:prstGeom>
+            <a:ln w="38100">
+              <a:solidFill>
+                <a:schemeClr val="tx1"/>
+              </a:solidFill>
+            </a:ln>
+          </p:spPr>
+          <p:style>
+            <a:lnRef idx="1">
+              <a:schemeClr val="accent1"/>
+            </a:lnRef>
+            <a:fillRef idx="0">
+              <a:schemeClr val="accent1"/>
+            </a:fillRef>
+            <a:effectRef idx="0">
+              <a:schemeClr val="accent1"/>
+            </a:effectRef>
+            <a:fontRef idx="minor">
+              <a:schemeClr val="tx1"/>
+            </a:fontRef>
+          </p:style>
+        </p:cxnSp>
+        <p:cxnSp>
+          <p:nvCxnSpPr>
+            <p:cNvPr id="11" name="Straight Connector 10">
+              <a:extLst>
+                <a:ext uri="{FF2B5EF4-FFF2-40B4-BE49-F238E27FC236}">
+                  <a16:creationId xmlns:a16="http://schemas.microsoft.com/office/drawing/2014/main" id="{BB75E707-5949-4142-B80B-4C8C30CA544D}"/>
+                </a:ext>
+              </a:extLst>
+            </p:cNvPr>
+            <p:cNvCxnSpPr/>
+            <p:nvPr/>
+          </p:nvCxnSpPr>
+          <p:spPr>
+            <a:xfrm flipH="1">
+              <a:off x="532874" y="2903482"/>
+              <a:ext cx="483476" cy="336331"/>
+            </a:xfrm>
+            <a:prstGeom prst="line">
+              <a:avLst/>
+            </a:prstGeom>
+            <a:ln w="38100">
+              <a:solidFill>
+                <a:schemeClr val="tx1"/>
+              </a:solidFill>
+            </a:ln>
+          </p:spPr>
+          <p:style>
+            <a:lnRef idx="1">
+              <a:schemeClr val="accent1"/>
+            </a:lnRef>
+            <a:fillRef idx="0">
+              <a:schemeClr val="accent1"/>
+            </a:fillRef>
+            <a:effectRef idx="0">
+              <a:schemeClr val="accent1"/>
+            </a:effectRef>
+            <a:fontRef idx="minor">
+              <a:schemeClr val="tx1"/>
+            </a:fontRef>
+          </p:style>
+        </p:cxnSp>
+        <p:cxnSp>
+          <p:nvCxnSpPr>
+            <p:cNvPr id="12" name="Straight Connector 11">
+              <a:extLst>
+                <a:ext uri="{FF2B5EF4-FFF2-40B4-BE49-F238E27FC236}">
+                  <a16:creationId xmlns:a16="http://schemas.microsoft.com/office/drawing/2014/main" id="{BEE42779-1D72-4111-9B0F-C8519C665699}"/>
+                </a:ext>
+              </a:extLst>
+            </p:cNvPr>
+            <p:cNvCxnSpPr/>
+            <p:nvPr/>
+          </p:nvCxnSpPr>
+          <p:spPr>
+            <a:xfrm flipH="1">
+              <a:off x="532874" y="3239813"/>
+              <a:ext cx="483476" cy="336331"/>
+            </a:xfrm>
+            <a:prstGeom prst="line">
+              <a:avLst/>
+            </a:prstGeom>
+            <a:ln w="38100">
+              <a:solidFill>
+                <a:schemeClr val="tx1"/>
+              </a:solidFill>
+            </a:ln>
+          </p:spPr>
+          <p:style>
+            <a:lnRef idx="1">
+              <a:schemeClr val="accent1"/>
+            </a:lnRef>
+            <a:fillRef idx="0">
+              <a:schemeClr val="accent1"/>
+            </a:fillRef>
+            <a:effectRef idx="0">
+              <a:schemeClr val="accent1"/>
+            </a:effectRef>
+            <a:fontRef idx="minor">
+              <a:schemeClr val="tx1"/>
+            </a:fontRef>
+          </p:style>
+        </p:cxnSp>
+        <p:cxnSp>
+          <p:nvCxnSpPr>
+            <p:cNvPr id="13" name="Straight Connector 12">
+              <a:extLst>
+                <a:ext uri="{FF2B5EF4-FFF2-40B4-BE49-F238E27FC236}">
+                  <a16:creationId xmlns:a16="http://schemas.microsoft.com/office/drawing/2014/main" id="{9F9FE3BA-8794-45DF-AFBD-81175281D68B}"/>
+                </a:ext>
+              </a:extLst>
+            </p:cNvPr>
+            <p:cNvCxnSpPr/>
+            <p:nvPr/>
+          </p:nvCxnSpPr>
+          <p:spPr>
+            <a:xfrm flipH="1">
+              <a:off x="515009" y="3619142"/>
+              <a:ext cx="483476" cy="336331"/>
+            </a:xfrm>
+            <a:prstGeom prst="line">
+              <a:avLst/>
+            </a:prstGeom>
+            <a:ln w="38100">
+              <a:solidFill>
+                <a:schemeClr val="tx1"/>
+              </a:solidFill>
+            </a:ln>
+          </p:spPr>
+          <p:style>
+            <a:lnRef idx="1">
+              <a:schemeClr val="accent1"/>
+            </a:lnRef>
+            <a:fillRef idx="0">
+              <a:schemeClr val="accent1"/>
+            </a:fillRef>
+            <a:effectRef idx="0">
+              <a:schemeClr val="accent1"/>
+            </a:effectRef>
+            <a:fontRef idx="minor">
+              <a:schemeClr val="tx1"/>
+            </a:fontRef>
+          </p:style>
+        </p:cxnSp>
+        <p:cxnSp>
+          <p:nvCxnSpPr>
+            <p:cNvPr id="14" name="Straight Connector 13">
+              <a:extLst>
+                <a:ext uri="{FF2B5EF4-FFF2-40B4-BE49-F238E27FC236}">
+                  <a16:creationId xmlns:a16="http://schemas.microsoft.com/office/drawing/2014/main" id="{F2ADC24C-80BE-485C-83D0-F33FA5E9A701}"/>
+                </a:ext>
+              </a:extLst>
+            </p:cNvPr>
+            <p:cNvCxnSpPr/>
+            <p:nvPr/>
+          </p:nvCxnSpPr>
+          <p:spPr>
+            <a:xfrm flipH="1">
+              <a:off x="515009" y="3955473"/>
+              <a:ext cx="483476" cy="336331"/>
+            </a:xfrm>
+            <a:prstGeom prst="line">
+              <a:avLst/>
+            </a:prstGeom>
+            <a:ln w="38100">
+              <a:solidFill>
+                <a:schemeClr val="tx1"/>
+              </a:solidFill>
+            </a:ln>
+          </p:spPr>
+          <p:style>
+            <a:lnRef idx="1">
+              <a:schemeClr val="accent1"/>
+            </a:lnRef>
+            <a:fillRef idx="0">
+              <a:schemeClr val="accent1"/>
+            </a:fillRef>
+            <a:effectRef idx="0">
+              <a:schemeClr val="accent1"/>
+            </a:effectRef>
+            <a:fontRef idx="minor">
+              <a:schemeClr val="tx1"/>
+            </a:fontRef>
+          </p:style>
+        </p:cxnSp>
+        <p:cxnSp>
+          <p:nvCxnSpPr>
+            <p:cNvPr id="15" name="Straight Connector 14">
+              <a:extLst>
+                <a:ext uri="{FF2B5EF4-FFF2-40B4-BE49-F238E27FC236}">
+                  <a16:creationId xmlns:a16="http://schemas.microsoft.com/office/drawing/2014/main" id="{E61C9B8B-CE5D-4CAC-BE45-17DE4B66BB6B}"/>
+                </a:ext>
+              </a:extLst>
+            </p:cNvPr>
+            <p:cNvCxnSpPr/>
+            <p:nvPr/>
+          </p:nvCxnSpPr>
+          <p:spPr>
+            <a:xfrm flipH="1">
+              <a:off x="515009" y="4272455"/>
+              <a:ext cx="483476" cy="336331"/>
+            </a:xfrm>
+            <a:prstGeom prst="line">
+              <a:avLst/>
+            </a:prstGeom>
+            <a:ln w="38100">
+              <a:solidFill>
+                <a:schemeClr val="tx1"/>
+              </a:solidFill>
+            </a:ln>
+          </p:spPr>
+          <p:style>
+            <a:lnRef idx="1">
+              <a:schemeClr val="accent1"/>
+            </a:lnRef>
+            <a:fillRef idx="0">
+              <a:schemeClr val="accent1"/>
+            </a:fillRef>
+            <a:effectRef idx="0">
+              <a:schemeClr val="accent1"/>
+            </a:effectRef>
+            <a:fontRef idx="minor">
+              <a:schemeClr val="tx1"/>
+            </a:fontRef>
+          </p:style>
+        </p:cxnSp>
+        <p:cxnSp>
+          <p:nvCxnSpPr>
+            <p:cNvPr id="16" name="Straight Connector 15">
+              <a:extLst>
+                <a:ext uri="{FF2B5EF4-FFF2-40B4-BE49-F238E27FC236}">
+                  <a16:creationId xmlns:a16="http://schemas.microsoft.com/office/drawing/2014/main" id="{5F8EB0BF-AB16-4220-8B99-13DB138EE5CC}"/>
+                </a:ext>
+              </a:extLst>
+            </p:cNvPr>
+            <p:cNvCxnSpPr/>
+            <p:nvPr/>
+          </p:nvCxnSpPr>
+          <p:spPr>
+            <a:xfrm flipH="1">
+              <a:off x="532874" y="2234450"/>
+              <a:ext cx="483476" cy="336331"/>
+            </a:xfrm>
+            <a:prstGeom prst="line">
+              <a:avLst/>
+            </a:prstGeom>
+            <a:ln w="38100">
+              <a:solidFill>
+                <a:schemeClr val="tx1"/>
+              </a:solidFill>
+            </a:ln>
+          </p:spPr>
+          <p:style>
+            <a:lnRef idx="1">
+              <a:schemeClr val="accent1"/>
+            </a:lnRef>
+            <a:fillRef idx="0">
+              <a:schemeClr val="accent1"/>
+            </a:fillRef>
+            <a:effectRef idx="0">
+              <a:schemeClr val="accent1"/>
+            </a:effectRef>
+            <a:fontRef idx="minor">
+              <a:schemeClr val="tx1"/>
+            </a:fontRef>
+          </p:style>
+        </p:cxnSp>
+      </p:grpSp>
+      <p:grpSp>
+        <p:nvGrpSpPr>
+          <p:cNvPr id="19" name="Group 18">
+            <a:extLst>
+              <a:ext uri="{FF2B5EF4-FFF2-40B4-BE49-F238E27FC236}">
+                <a16:creationId xmlns:a16="http://schemas.microsoft.com/office/drawing/2014/main" id="{7F1EBF67-1258-488F-A834-5CF2781E5433}"/>
+              </a:ext>
+            </a:extLst>
+          </p:cNvPr>
+          <p:cNvGrpSpPr/>
+          <p:nvPr/>
+        </p:nvGrpSpPr>
+        <p:grpSpPr>
+          <a:xfrm flipH="1">
+            <a:off x="10205082" y="2170386"/>
+            <a:ext cx="372497" cy="2438400"/>
+            <a:chOff x="515009" y="2170386"/>
+            <a:chExt cx="525515" cy="2438400"/>
+          </a:xfrm>
+        </p:grpSpPr>
+        <p:cxnSp>
+          <p:nvCxnSpPr>
+            <p:cNvPr id="20" name="Straight Connector 19">
+              <a:extLst>
+                <a:ext uri="{FF2B5EF4-FFF2-40B4-BE49-F238E27FC236}">
+                  <a16:creationId xmlns:a16="http://schemas.microsoft.com/office/drawing/2014/main" id="{624A1170-63E8-455A-BFD3-2F85B39D08F9}"/>
+                </a:ext>
+              </a:extLst>
+            </p:cNvPr>
+            <p:cNvCxnSpPr/>
+            <p:nvPr/>
+          </p:nvCxnSpPr>
+          <p:spPr>
+            <a:xfrm>
+              <a:off x="1019504" y="2170386"/>
+              <a:ext cx="0" cy="2438400"/>
+            </a:xfrm>
+            <a:prstGeom prst="line">
+              <a:avLst/>
+            </a:prstGeom>
+            <a:ln w="38100"/>
+          </p:spPr>
+          <p:style>
+            <a:lnRef idx="1">
+              <a:schemeClr val="dk1"/>
+            </a:lnRef>
+            <a:fillRef idx="0">
+              <a:schemeClr val="dk1"/>
+            </a:fillRef>
+            <a:effectRef idx="0">
+              <a:schemeClr val="dk1"/>
+            </a:effectRef>
+            <a:fontRef idx="minor">
+              <a:schemeClr val="tx1"/>
+            </a:fontRef>
+          </p:style>
+        </p:cxnSp>
+        <p:cxnSp>
+          <p:nvCxnSpPr>
+            <p:cNvPr id="21" name="Straight Connector 20">
+              <a:extLst>
+                <a:ext uri="{FF2B5EF4-FFF2-40B4-BE49-F238E27FC236}">
+                  <a16:creationId xmlns:a16="http://schemas.microsoft.com/office/drawing/2014/main" id="{6D51D863-CCA3-4576-9656-46D640FF44EF}"/>
+                </a:ext>
+              </a:extLst>
+            </p:cNvPr>
+            <p:cNvCxnSpPr/>
+            <p:nvPr/>
+          </p:nvCxnSpPr>
+          <p:spPr>
+            <a:xfrm flipH="1">
+              <a:off x="557048" y="2543503"/>
+              <a:ext cx="483476" cy="336331"/>
+            </a:xfrm>
+            <a:prstGeom prst="line">
+              <a:avLst/>
+            </a:prstGeom>
+            <a:ln w="38100">
+              <a:solidFill>
+                <a:schemeClr val="tx1"/>
+              </a:solidFill>
+            </a:ln>
+          </p:spPr>
+          <p:style>
+            <a:lnRef idx="1">
+              <a:schemeClr val="accent1"/>
+            </a:lnRef>
+            <a:fillRef idx="0">
+              <a:schemeClr val="accent1"/>
+            </a:fillRef>
+            <a:effectRef idx="0">
+              <a:schemeClr val="accent1"/>
+            </a:effectRef>
+            <a:fontRef idx="minor">
+              <a:schemeClr val="tx1"/>
+            </a:fontRef>
+          </p:style>
+        </p:cxnSp>
+        <p:cxnSp>
+          <p:nvCxnSpPr>
+            <p:cNvPr id="22" name="Straight Connector 21">
+              <a:extLst>
+                <a:ext uri="{FF2B5EF4-FFF2-40B4-BE49-F238E27FC236}">
+                  <a16:creationId xmlns:a16="http://schemas.microsoft.com/office/drawing/2014/main" id="{9648235A-F4D0-48B5-A169-5C296D0A0CB6}"/>
+                </a:ext>
+              </a:extLst>
+            </p:cNvPr>
+            <p:cNvCxnSpPr/>
+            <p:nvPr/>
+          </p:nvCxnSpPr>
+          <p:spPr>
+            <a:xfrm flipH="1">
+              <a:off x="532874" y="2903482"/>
+              <a:ext cx="483476" cy="336331"/>
+            </a:xfrm>
+            <a:prstGeom prst="line">
+              <a:avLst/>
+            </a:prstGeom>
+            <a:ln w="38100">
+              <a:solidFill>
+                <a:schemeClr val="tx1"/>
+              </a:solidFill>
+            </a:ln>
+          </p:spPr>
+          <p:style>
+            <a:lnRef idx="1">
+              <a:schemeClr val="accent1"/>
+            </a:lnRef>
+            <a:fillRef idx="0">
+              <a:schemeClr val="accent1"/>
+            </a:fillRef>
+            <a:effectRef idx="0">
+              <a:schemeClr val="accent1"/>
+            </a:effectRef>
+            <a:fontRef idx="minor">
+              <a:schemeClr val="tx1"/>
+            </a:fontRef>
+          </p:style>
+        </p:cxnSp>
+        <p:cxnSp>
+          <p:nvCxnSpPr>
+            <p:cNvPr id="23" name="Straight Connector 22">
+              <a:extLst>
+                <a:ext uri="{FF2B5EF4-FFF2-40B4-BE49-F238E27FC236}">
+                  <a16:creationId xmlns:a16="http://schemas.microsoft.com/office/drawing/2014/main" id="{4E361300-5EF5-4AB3-83F1-3A022E78AA89}"/>
+                </a:ext>
+              </a:extLst>
+            </p:cNvPr>
+            <p:cNvCxnSpPr/>
+            <p:nvPr/>
+          </p:nvCxnSpPr>
+          <p:spPr>
+            <a:xfrm flipH="1">
+              <a:off x="532874" y="3239813"/>
+              <a:ext cx="483476" cy="336331"/>
+            </a:xfrm>
+            <a:prstGeom prst="line">
+              <a:avLst/>
+            </a:prstGeom>
+            <a:ln w="38100">
+              <a:solidFill>
+                <a:schemeClr val="tx1"/>
+              </a:solidFill>
+            </a:ln>
+          </p:spPr>
+          <p:style>
+            <a:lnRef idx="1">
+              <a:schemeClr val="accent1"/>
+            </a:lnRef>
+            <a:fillRef idx="0">
+              <a:schemeClr val="accent1"/>
+            </a:fillRef>
+            <a:effectRef idx="0">
+              <a:schemeClr val="accent1"/>
+            </a:effectRef>
+            <a:fontRef idx="minor">
+              <a:schemeClr val="tx1"/>
+            </a:fontRef>
+          </p:style>
+        </p:cxnSp>
+        <p:cxnSp>
+          <p:nvCxnSpPr>
+            <p:cNvPr id="24" name="Straight Connector 23">
+              <a:extLst>
+                <a:ext uri="{FF2B5EF4-FFF2-40B4-BE49-F238E27FC236}">
+                  <a16:creationId xmlns:a16="http://schemas.microsoft.com/office/drawing/2014/main" id="{143AE47E-39F0-48FE-92FB-C6B19E641874}"/>
+                </a:ext>
+              </a:extLst>
+            </p:cNvPr>
+            <p:cNvCxnSpPr/>
+            <p:nvPr/>
+          </p:nvCxnSpPr>
+          <p:spPr>
+            <a:xfrm flipH="1">
+              <a:off x="515009" y="3619142"/>
+              <a:ext cx="483476" cy="336331"/>
+            </a:xfrm>
+            <a:prstGeom prst="line">
+              <a:avLst/>
+            </a:prstGeom>
+            <a:ln w="38100">
+              <a:solidFill>
+                <a:schemeClr val="tx1"/>
+              </a:solidFill>
+            </a:ln>
+          </p:spPr>
+          <p:style>
+            <a:lnRef idx="1">
+              <a:schemeClr val="accent1"/>
+            </a:lnRef>
+            <a:fillRef idx="0">
+              <a:schemeClr val="accent1"/>
+            </a:fillRef>
+            <a:effectRef idx="0">
+              <a:schemeClr val="accent1"/>
+            </a:effectRef>
+            <a:fontRef idx="minor">
+              <a:schemeClr val="tx1"/>
+            </a:fontRef>
+          </p:style>
+        </p:cxnSp>
+        <p:cxnSp>
+          <p:nvCxnSpPr>
+            <p:cNvPr id="25" name="Straight Connector 24">
+              <a:extLst>
+                <a:ext uri="{FF2B5EF4-FFF2-40B4-BE49-F238E27FC236}">
+                  <a16:creationId xmlns:a16="http://schemas.microsoft.com/office/drawing/2014/main" id="{0EE6D6E4-8C7C-4AD3-8C6A-3310FC14D494}"/>
+                </a:ext>
+              </a:extLst>
+            </p:cNvPr>
+            <p:cNvCxnSpPr/>
+            <p:nvPr/>
+          </p:nvCxnSpPr>
+          <p:spPr>
+            <a:xfrm flipH="1">
+              <a:off x="515009" y="3955473"/>
+              <a:ext cx="483476" cy="336331"/>
+            </a:xfrm>
+            <a:prstGeom prst="line">
+              <a:avLst/>
+            </a:prstGeom>
+            <a:ln w="38100">
+              <a:solidFill>
+                <a:schemeClr val="tx1"/>
+              </a:solidFill>
+            </a:ln>
+          </p:spPr>
+          <p:style>
+            <a:lnRef idx="1">
+              <a:schemeClr val="accent1"/>
+            </a:lnRef>
+            <a:fillRef idx="0">
+              <a:schemeClr val="accent1"/>
+            </a:fillRef>
+            <a:effectRef idx="0">
+              <a:schemeClr val="accent1"/>
+            </a:effectRef>
+            <a:fontRef idx="minor">
+              <a:schemeClr val="tx1"/>
+            </a:fontRef>
+          </p:style>
+        </p:cxnSp>
+        <p:cxnSp>
+          <p:nvCxnSpPr>
+            <p:cNvPr id="26" name="Straight Connector 25">
+              <a:extLst>
+                <a:ext uri="{FF2B5EF4-FFF2-40B4-BE49-F238E27FC236}">
+                  <a16:creationId xmlns:a16="http://schemas.microsoft.com/office/drawing/2014/main" id="{93C4F235-FCE7-4666-A7D4-8A7C61E75D94}"/>
+                </a:ext>
+              </a:extLst>
+            </p:cNvPr>
+            <p:cNvCxnSpPr/>
+            <p:nvPr/>
+          </p:nvCxnSpPr>
+          <p:spPr>
+            <a:xfrm flipH="1">
+              <a:off x="515009" y="4272455"/>
+              <a:ext cx="483476" cy="336331"/>
+            </a:xfrm>
+            <a:prstGeom prst="line">
+              <a:avLst/>
+            </a:prstGeom>
+            <a:ln w="38100">
+              <a:solidFill>
+                <a:schemeClr val="tx1"/>
+              </a:solidFill>
+            </a:ln>
+          </p:spPr>
+          <p:style>
+            <a:lnRef idx="1">
+              <a:schemeClr val="accent1"/>
+            </a:lnRef>
+            <a:fillRef idx="0">
+              <a:schemeClr val="accent1"/>
+            </a:fillRef>
+            <a:effectRef idx="0">
+              <a:schemeClr val="accent1"/>
+            </a:effectRef>
+            <a:fontRef idx="minor">
+              <a:schemeClr val="tx1"/>
+            </a:fontRef>
+          </p:style>
+        </p:cxnSp>
+        <p:cxnSp>
+          <p:nvCxnSpPr>
+            <p:cNvPr id="27" name="Straight Connector 26">
+              <a:extLst>
+                <a:ext uri="{FF2B5EF4-FFF2-40B4-BE49-F238E27FC236}">
+                  <a16:creationId xmlns:a16="http://schemas.microsoft.com/office/drawing/2014/main" id="{FC38DCE4-2C95-49E4-8B16-77142E9AB43A}"/>
+                </a:ext>
+              </a:extLst>
+            </p:cNvPr>
+            <p:cNvCxnSpPr/>
+            <p:nvPr/>
+          </p:nvCxnSpPr>
+          <p:spPr>
+            <a:xfrm flipH="1">
+              <a:off x="532874" y="2234450"/>
+              <a:ext cx="483476" cy="336331"/>
+            </a:xfrm>
+            <a:prstGeom prst="line">
+              <a:avLst/>
+            </a:prstGeom>
+            <a:ln w="38100">
+              <a:solidFill>
+                <a:schemeClr val="tx1"/>
+              </a:solidFill>
+            </a:ln>
+          </p:spPr>
+          <p:style>
+            <a:lnRef idx="1">
+              <a:schemeClr val="accent1"/>
+            </a:lnRef>
+            <a:fillRef idx="0">
+              <a:schemeClr val="accent1"/>
+            </a:fillRef>
+            <a:effectRef idx="0">
+              <a:schemeClr val="accent1"/>
+            </a:effectRef>
+            <a:fontRef idx="minor">
+              <a:schemeClr val="tx1"/>
+            </a:fontRef>
+          </p:style>
+        </p:cxnSp>
+      </p:grpSp>
+      <p:cxnSp>
+        <p:nvCxnSpPr>
+          <p:cNvPr id="31" name="Straight Arrow Connector 30">
+            <a:extLst>
+              <a:ext uri="{FF2B5EF4-FFF2-40B4-BE49-F238E27FC236}">
+                <a16:creationId xmlns:a16="http://schemas.microsoft.com/office/drawing/2014/main" id="{545E8D90-3358-4B53-AF5E-E31E9B55D24F}"/>
+              </a:ext>
+            </a:extLst>
+          </p:cNvPr>
+          <p:cNvCxnSpPr>
+            <a:cxnSpLocks/>
+            <a:stCxn id="2" idx="0"/>
+          </p:cNvCxnSpPr>
+          <p:nvPr/>
+        </p:nvCxnSpPr>
+        <p:spPr>
+          <a:xfrm flipH="1" flipV="1">
+            <a:off x="1040524" y="3239814"/>
+            <a:ext cx="4451126" cy="1269124"/>
+          </a:xfrm>
+          <a:prstGeom prst="straightConnector1">
+            <a:avLst/>
+          </a:prstGeom>
+          <a:ln w="38100">
+            <a:solidFill>
+              <a:srgbClr val="FF0000"/>
+            </a:solidFill>
+            <a:tailEnd type="triangle"/>
+          </a:ln>
+        </p:spPr>
+        <p:style>
+          <a:lnRef idx="1">
+            <a:schemeClr val="accent1"/>
+          </a:lnRef>
+          <a:fillRef idx="0">
+            <a:schemeClr val="accent1"/>
+          </a:fillRef>
+          <a:effectRef idx="0">
+            <a:schemeClr val="accent1"/>
+          </a:effectRef>
+          <a:fontRef idx="minor">
+            <a:schemeClr val="tx1"/>
+          </a:fontRef>
+        </p:style>
+      </p:cxnSp>
+      <p:cxnSp>
+        <p:nvCxnSpPr>
+          <p:cNvPr id="32" name="Straight Arrow Connector 31">
+            <a:extLst>
+              <a:ext uri="{FF2B5EF4-FFF2-40B4-BE49-F238E27FC236}">
+                <a16:creationId xmlns:a16="http://schemas.microsoft.com/office/drawing/2014/main" id="{4E0EC926-D005-449F-9706-E0F96079245B}"/>
+              </a:ext>
+            </a:extLst>
+          </p:cNvPr>
+          <p:cNvCxnSpPr>
+            <a:cxnSpLocks/>
+            <a:endCxn id="5" idx="2"/>
+          </p:cNvCxnSpPr>
+          <p:nvPr/>
+        </p:nvCxnSpPr>
+        <p:spPr>
+          <a:xfrm flipV="1">
+            <a:off x="1066723" y="2514110"/>
+            <a:ext cx="1677477" cy="710332"/>
+          </a:xfrm>
+          <a:prstGeom prst="straightConnector1">
+            <a:avLst/>
+          </a:prstGeom>
+          <a:ln w="38100">
+            <a:solidFill>
+              <a:srgbClr val="FF0000"/>
+            </a:solidFill>
+            <a:tailEnd type="triangle"/>
+          </a:ln>
+        </p:spPr>
+        <p:style>
+          <a:lnRef idx="1">
+            <a:schemeClr val="accent1"/>
+          </a:lnRef>
+          <a:fillRef idx="0">
+            <a:schemeClr val="accent1"/>
+          </a:fillRef>
+          <a:effectRef idx="0">
+            <a:schemeClr val="accent1"/>
+          </a:effectRef>
+          <a:fontRef idx="minor">
+            <a:schemeClr val="tx1"/>
+          </a:fontRef>
+        </p:style>
+      </p:cxnSp>
+      <p:cxnSp>
+        <p:nvCxnSpPr>
+          <p:cNvPr id="35" name="Straight Arrow Connector 34">
+            <a:extLst>
+              <a:ext uri="{FF2B5EF4-FFF2-40B4-BE49-F238E27FC236}">
+                <a16:creationId xmlns:a16="http://schemas.microsoft.com/office/drawing/2014/main" id="{A82E38E8-F6B2-4F9D-835A-70794877495D}"/>
+              </a:ext>
+            </a:extLst>
+          </p:cNvPr>
+          <p:cNvCxnSpPr>
+            <a:cxnSpLocks/>
+            <a:stCxn id="2" idx="0"/>
+          </p:cNvCxnSpPr>
+          <p:nvPr/>
+        </p:nvCxnSpPr>
+        <p:spPr>
+          <a:xfrm flipV="1">
+            <a:off x="5491650" y="3141886"/>
+            <a:ext cx="4713432" cy="1367052"/>
+          </a:xfrm>
+          <a:prstGeom prst="straightConnector1">
+            <a:avLst/>
+          </a:prstGeom>
+          <a:ln w="38100">
+            <a:solidFill>
+              <a:srgbClr val="00B050"/>
+            </a:solidFill>
+            <a:tailEnd type="triangle"/>
+          </a:ln>
+        </p:spPr>
+        <p:style>
+          <a:lnRef idx="1">
+            <a:schemeClr val="accent1"/>
+          </a:lnRef>
+          <a:fillRef idx="0">
+            <a:schemeClr val="accent1"/>
+          </a:fillRef>
+          <a:effectRef idx="0">
+            <a:schemeClr val="accent1"/>
+          </a:effectRef>
+          <a:fontRef idx="minor">
+            <a:schemeClr val="tx1"/>
+          </a:fontRef>
+        </p:style>
+      </p:cxnSp>
+      <p:cxnSp>
+        <p:nvCxnSpPr>
+          <p:cNvPr id="39" name="Straight Arrow Connector 38">
+            <a:extLst>
+              <a:ext uri="{FF2B5EF4-FFF2-40B4-BE49-F238E27FC236}">
+                <a16:creationId xmlns:a16="http://schemas.microsoft.com/office/drawing/2014/main" id="{0F93DBF6-7A13-41D0-8D90-389DF4867CE1}"/>
+              </a:ext>
+            </a:extLst>
+          </p:cNvPr>
+          <p:cNvCxnSpPr>
+            <a:cxnSpLocks/>
+          </p:cNvCxnSpPr>
+          <p:nvPr/>
+        </p:nvCxnSpPr>
+        <p:spPr>
+          <a:xfrm flipH="1" flipV="1">
+            <a:off x="8460978" y="2449972"/>
+            <a:ext cx="1726970" cy="691914"/>
+          </a:xfrm>
+          <a:prstGeom prst="straightConnector1">
+            <a:avLst/>
+          </a:prstGeom>
+          <a:ln w="38100">
+            <a:solidFill>
+              <a:srgbClr val="00B050"/>
+            </a:solidFill>
+            <a:tailEnd type="triangle"/>
+          </a:ln>
+        </p:spPr>
+        <p:style>
+          <a:lnRef idx="1">
+            <a:schemeClr val="accent1"/>
+          </a:lnRef>
+          <a:fillRef idx="0">
+            <a:schemeClr val="accent1"/>
+          </a:fillRef>
+          <a:effectRef idx="0">
+            <a:schemeClr val="accent1"/>
+          </a:effectRef>
+          <a:fontRef idx="minor">
+            <a:schemeClr val="tx1"/>
+          </a:fontRef>
+        </p:style>
+      </p:cxnSp>
+      <p:cxnSp>
+        <p:nvCxnSpPr>
+          <p:cNvPr id="50" name="Straight Arrow Connector 49">
+            <a:extLst>
+              <a:ext uri="{FF2B5EF4-FFF2-40B4-BE49-F238E27FC236}">
+                <a16:creationId xmlns:a16="http://schemas.microsoft.com/office/drawing/2014/main" id="{0718AB10-B1D5-47AD-A834-EBA30D5D5C77}"/>
+              </a:ext>
+            </a:extLst>
+          </p:cNvPr>
+          <p:cNvCxnSpPr/>
+          <p:nvPr/>
+        </p:nvCxnSpPr>
+        <p:spPr>
+          <a:xfrm>
+            <a:off x="5437414" y="2563977"/>
+            <a:ext cx="691243" cy="0"/>
+          </a:xfrm>
+          <a:prstGeom prst="straightConnector1">
+            <a:avLst/>
+          </a:prstGeom>
+          <a:ln w="38100">
+            <a:solidFill>
+              <a:schemeClr val="tx1"/>
+            </a:solidFill>
+            <a:tailEnd type="triangle"/>
+          </a:ln>
+        </p:spPr>
+        <p:style>
+          <a:lnRef idx="1">
+            <a:schemeClr val="accent1"/>
+          </a:lnRef>
+          <a:fillRef idx="0">
+            <a:schemeClr val="accent1"/>
+          </a:fillRef>
+          <a:effectRef idx="0">
+            <a:schemeClr val="accent1"/>
+          </a:effectRef>
+          <a:fontRef idx="minor">
+            <a:schemeClr val="tx1"/>
+          </a:fontRef>
+        </p:style>
+      </p:cxnSp>
+      <p:cxnSp>
+        <p:nvCxnSpPr>
+          <p:cNvPr id="51" name="Straight Arrow Connector 50">
+            <a:extLst>
+              <a:ext uri="{FF2B5EF4-FFF2-40B4-BE49-F238E27FC236}">
+                <a16:creationId xmlns:a16="http://schemas.microsoft.com/office/drawing/2014/main" id="{11D7F4E7-34D7-4738-B9BB-50A23A24A3A8}"/>
+              </a:ext>
+            </a:extLst>
+          </p:cNvPr>
+          <p:cNvCxnSpPr>
+            <a:cxnSpLocks/>
+          </p:cNvCxnSpPr>
+          <p:nvPr/>
+        </p:nvCxnSpPr>
+        <p:spPr>
+          <a:xfrm flipV="1">
+            <a:off x="5437414" y="1812471"/>
+            <a:ext cx="0" cy="758311"/>
+          </a:xfrm>
+          <a:prstGeom prst="straightConnector1">
+            <a:avLst/>
+          </a:prstGeom>
+          <a:ln w="38100">
+            <a:solidFill>
+              <a:schemeClr val="tx1"/>
+            </a:solidFill>
+            <a:tailEnd type="triangle"/>
+          </a:ln>
+        </p:spPr>
+        <p:style>
+          <a:lnRef idx="1">
+            <a:schemeClr val="accent1"/>
+          </a:lnRef>
+          <a:fillRef idx="0">
+            <a:schemeClr val="accent1"/>
+          </a:fillRef>
+          <a:effectRef idx="0">
+            <a:schemeClr val="accent1"/>
+          </a:effectRef>
+          <a:fontRef idx="minor">
+            <a:schemeClr val="tx1"/>
+          </a:fontRef>
+        </p:style>
+      </p:cxnSp>
+      <p:cxnSp>
+        <p:nvCxnSpPr>
+          <p:cNvPr id="54" name="Straight Arrow Connector 53">
+            <a:extLst>
+              <a:ext uri="{FF2B5EF4-FFF2-40B4-BE49-F238E27FC236}">
+                <a16:creationId xmlns:a16="http://schemas.microsoft.com/office/drawing/2014/main" id="{17BB1C99-263D-411D-B770-BD88D595C0B8}"/>
+              </a:ext>
+            </a:extLst>
+          </p:cNvPr>
+          <p:cNvCxnSpPr>
+            <a:cxnSpLocks/>
+          </p:cNvCxnSpPr>
+          <p:nvPr/>
+        </p:nvCxnSpPr>
+        <p:spPr>
+          <a:xfrm flipV="1">
+            <a:off x="5420279" y="2170386"/>
+            <a:ext cx="555978" cy="393591"/>
+          </a:xfrm>
+          <a:prstGeom prst="straightConnector1">
+            <a:avLst/>
+          </a:prstGeom>
+          <a:ln w="38100">
+            <a:solidFill>
+              <a:schemeClr val="tx1"/>
+            </a:solidFill>
+            <a:tailEnd type="triangle"/>
+          </a:ln>
+        </p:spPr>
+        <p:style>
+          <a:lnRef idx="1">
+            <a:schemeClr val="accent1"/>
+          </a:lnRef>
+          <a:fillRef idx="0">
+            <a:schemeClr val="accent1"/>
+          </a:fillRef>
+          <a:effectRef idx="0">
+            <a:schemeClr val="accent1"/>
+          </a:effectRef>
+          <a:fontRef idx="minor">
+            <a:schemeClr val="tx1"/>
+          </a:fontRef>
+        </p:style>
+      </p:cxnSp>
+      <mc:AlternateContent xmlns:mc="http://schemas.openxmlformats.org/markup-compatibility/2006">
+        <mc:Choice xmlns:a14="http://schemas.microsoft.com/office/drawing/2010/main" Requires="a14">
+          <p:sp>
+            <p:nvSpPr>
+              <p:cNvPr id="58" name="TextBox 57">
+                <a:extLst>
+                  <a:ext uri="{FF2B5EF4-FFF2-40B4-BE49-F238E27FC236}">
+                    <a16:creationId xmlns:a16="http://schemas.microsoft.com/office/drawing/2014/main" id="{C30FFAF4-9931-468D-987A-83ACEE7FED09}"/>
+                  </a:ext>
+                </a:extLst>
+              </p:cNvPr>
+              <p:cNvSpPr txBox="1"/>
+              <p:nvPr/>
+            </p:nvSpPr>
+            <p:spPr>
+              <a:xfrm>
+                <a:off x="6077055" y="2386115"/>
+                <a:ext cx="353751" cy="369332"/>
+              </a:xfrm>
+              <a:prstGeom prst="rect">
+                <a:avLst/>
+              </a:prstGeom>
+              <a:noFill/>
+            </p:spPr>
+            <p:txBody>
+              <a:bodyPr wrap="none" rtlCol="0">
+                <a:spAutoFit/>
+              </a:bodyPr>
+              <a:lstStyle/>
+              <a:p>
+                <a14:m>
+                  <m:oMathPara xmlns:m="http://schemas.openxmlformats.org/officeDocument/2006/math">
+                    <m:oMathParaPr>
+                      <m:jc m:val="centerGroup"/>
+                    </m:oMathParaPr>
+                    <m:oMath xmlns:m="http://schemas.openxmlformats.org/officeDocument/2006/math">
+                      <m:acc>
+                        <m:accPr>
+                          <m:chr m:val="̂"/>
+                          <m:ctrlPr>
+                            <a:rPr lang="en-US" b="1" i="1" smtClean="0">
+                              <a:latin typeface="Cambria Math" panose="02040503050406030204" pitchFamily="18" charset="0"/>
+                            </a:rPr>
+                          </m:ctrlPr>
+                        </m:accPr>
+                        <m:e>
+                          <m:r>
+                            <a:rPr lang="en-US" b="1" i="1" smtClean="0">
+                              <a:latin typeface="Cambria Math" panose="02040503050406030204" pitchFamily="18" charset="0"/>
+                            </a:rPr>
+                            <m:t>𝒛</m:t>
+                          </m:r>
+                        </m:e>
+                      </m:acc>
+                    </m:oMath>
+                  </m:oMathPara>
+                </a14:m>
+                <a:endParaRPr lang="en-US" b="1" dirty="0"/>
+              </a:p>
+            </p:txBody>
+          </p:sp>
+        </mc:Choice>
+        <mc:Fallback>
+          <p:sp>
+            <p:nvSpPr>
+              <p:cNvPr id="58" name="TextBox 57">
+                <a:extLst>
+                  <a:ext uri="{FF2B5EF4-FFF2-40B4-BE49-F238E27FC236}">
+                    <a16:creationId xmlns:a16="http://schemas.microsoft.com/office/drawing/2014/main" id="{C30FFAF4-9931-468D-987A-83ACEE7FED09}"/>
+                  </a:ext>
+                </a:extLst>
+              </p:cNvPr>
+              <p:cNvSpPr txBox="1">
+                <a:spLocks noRot="1" noChangeAspect="1" noMove="1" noResize="1" noEditPoints="1" noAdjustHandles="1" noChangeArrowheads="1" noChangeShapeType="1" noTextEdit="1"/>
+              </p:cNvSpPr>
+              <p:nvPr/>
+            </p:nvSpPr>
+            <p:spPr>
+              <a:xfrm>
+                <a:off x="6077055" y="2386115"/>
+                <a:ext cx="353751" cy="369332"/>
+              </a:xfrm>
+              <a:prstGeom prst="rect">
+                <a:avLst/>
+              </a:prstGeom>
+              <a:blipFill>
+                <a:blip r:embed="rId2"/>
+                <a:stretch>
+                  <a:fillRect t="-6557" r="-10345"/>
+                </a:stretch>
+              </a:blipFill>
+            </p:spPr>
+            <p:txBody>
+              <a:bodyPr/>
+              <a:lstStyle/>
+              <a:p>
+                <a:r>
+                  <a:rPr lang="en-US">
+                    <a:noFill/>
+                  </a:rPr>
+                  <a:t> </a:t>
+                </a:r>
+              </a:p>
+            </p:txBody>
+          </p:sp>
+        </mc:Fallback>
+      </mc:AlternateContent>
+      <mc:AlternateContent xmlns:mc="http://schemas.openxmlformats.org/markup-compatibility/2006">
+        <mc:Choice xmlns:a14="http://schemas.microsoft.com/office/drawing/2010/main" Requires="a14">
+          <p:sp>
+            <p:nvSpPr>
+              <p:cNvPr id="60" name="TextBox 59">
+                <a:extLst>
+                  <a:ext uri="{FF2B5EF4-FFF2-40B4-BE49-F238E27FC236}">
+                    <a16:creationId xmlns:a16="http://schemas.microsoft.com/office/drawing/2014/main" id="{5DCEE213-5A58-41CE-9106-A7B55AC4B711}"/>
+                  </a:ext>
+                </a:extLst>
+              </p:cNvPr>
+              <p:cNvSpPr txBox="1"/>
+              <p:nvPr/>
+            </p:nvSpPr>
+            <p:spPr>
+              <a:xfrm>
+                <a:off x="5891926" y="1985243"/>
+                <a:ext cx="370614" cy="369332"/>
+              </a:xfrm>
+              <a:prstGeom prst="rect">
+                <a:avLst/>
+              </a:prstGeom>
+              <a:noFill/>
+            </p:spPr>
+            <p:txBody>
+              <a:bodyPr wrap="none" rtlCol="0">
+                <a:spAutoFit/>
+              </a:bodyPr>
+              <a:lstStyle/>
+              <a:p>
+                <a14:m>
+                  <m:oMathPara xmlns:m="http://schemas.openxmlformats.org/officeDocument/2006/math">
+                    <m:oMathParaPr>
+                      <m:jc m:val="centerGroup"/>
+                    </m:oMathParaPr>
+                    <m:oMath xmlns:m="http://schemas.openxmlformats.org/officeDocument/2006/math">
+                      <m:acc>
+                        <m:accPr>
+                          <m:chr m:val="̂"/>
+                          <m:ctrlPr>
+                            <a:rPr lang="en-US" b="1" i="1" smtClean="0">
+                              <a:latin typeface="Cambria Math" panose="02040503050406030204" pitchFamily="18" charset="0"/>
+                            </a:rPr>
+                          </m:ctrlPr>
+                        </m:accPr>
+                        <m:e>
+                          <m:r>
+                            <a:rPr lang="en-US" b="1" i="1" smtClean="0">
+                              <a:latin typeface="Cambria Math" panose="02040503050406030204" pitchFamily="18" charset="0"/>
+                            </a:rPr>
+                            <m:t>𝒙</m:t>
+                          </m:r>
+                        </m:e>
+                      </m:acc>
+                    </m:oMath>
+                  </m:oMathPara>
+                </a14:m>
+                <a:endParaRPr lang="en-US" b="1" dirty="0"/>
+              </a:p>
+            </p:txBody>
+          </p:sp>
+        </mc:Choice>
+        <mc:Fallback>
+          <p:sp>
+            <p:nvSpPr>
+              <p:cNvPr id="60" name="TextBox 59">
+                <a:extLst>
+                  <a:ext uri="{FF2B5EF4-FFF2-40B4-BE49-F238E27FC236}">
+                    <a16:creationId xmlns:a16="http://schemas.microsoft.com/office/drawing/2014/main" id="{5DCEE213-5A58-41CE-9106-A7B55AC4B711}"/>
+                  </a:ext>
+                </a:extLst>
+              </p:cNvPr>
+              <p:cNvSpPr txBox="1">
+                <a:spLocks noRot="1" noChangeAspect="1" noMove="1" noResize="1" noEditPoints="1" noAdjustHandles="1" noChangeArrowheads="1" noChangeShapeType="1" noTextEdit="1"/>
+              </p:cNvSpPr>
+              <p:nvPr/>
+            </p:nvSpPr>
+            <p:spPr>
+              <a:xfrm>
+                <a:off x="5891926" y="1985243"/>
+                <a:ext cx="370614" cy="369332"/>
+              </a:xfrm>
+              <a:prstGeom prst="rect">
+                <a:avLst/>
+              </a:prstGeom>
+              <a:blipFill>
+                <a:blip r:embed="rId3"/>
+                <a:stretch>
+                  <a:fillRect t="-6667" r="-8333"/>
+                </a:stretch>
+              </a:blipFill>
+            </p:spPr>
+            <p:txBody>
+              <a:bodyPr/>
+              <a:lstStyle/>
+              <a:p>
+                <a:r>
+                  <a:rPr lang="en-US">
+                    <a:noFill/>
+                  </a:rPr>
+                  <a:t> </a:t>
+                </a:r>
+              </a:p>
+            </p:txBody>
+          </p:sp>
+        </mc:Fallback>
+      </mc:AlternateContent>
+      <mc:AlternateContent xmlns:mc="http://schemas.openxmlformats.org/markup-compatibility/2006">
+        <mc:Choice xmlns:a14="http://schemas.microsoft.com/office/drawing/2010/main" Requires="a14">
+          <p:sp>
+            <p:nvSpPr>
+              <p:cNvPr id="61" name="TextBox 60">
+                <a:extLst>
+                  <a:ext uri="{FF2B5EF4-FFF2-40B4-BE49-F238E27FC236}">
+                    <a16:creationId xmlns:a16="http://schemas.microsoft.com/office/drawing/2014/main" id="{364E8D6C-F73E-4BFC-B5D3-3977597CAD4D}"/>
+                  </a:ext>
+                </a:extLst>
+              </p:cNvPr>
+              <p:cNvSpPr txBox="1"/>
+              <p:nvPr/>
+            </p:nvSpPr>
+            <p:spPr>
+              <a:xfrm>
+                <a:off x="5419182" y="1621064"/>
+                <a:ext cx="375424" cy="369332"/>
+              </a:xfrm>
+              <a:prstGeom prst="rect">
+                <a:avLst/>
+              </a:prstGeom>
+              <a:noFill/>
+            </p:spPr>
+            <p:txBody>
+              <a:bodyPr wrap="none" rtlCol="0">
+                <a:spAutoFit/>
+              </a:bodyPr>
+              <a:lstStyle/>
+              <a:p>
+                <a14:m>
+                  <m:oMathPara xmlns:m="http://schemas.openxmlformats.org/officeDocument/2006/math">
+                    <m:oMathParaPr>
+                      <m:jc m:val="centerGroup"/>
+                    </m:oMathParaPr>
+                    <m:oMath xmlns:m="http://schemas.openxmlformats.org/officeDocument/2006/math">
+                      <m:acc>
+                        <m:accPr>
+                          <m:chr m:val="̂"/>
+                          <m:ctrlPr>
+                            <a:rPr lang="en-US" b="1" i="1" smtClean="0">
+                              <a:latin typeface="Cambria Math" panose="02040503050406030204" pitchFamily="18" charset="0"/>
+                            </a:rPr>
+                          </m:ctrlPr>
+                        </m:accPr>
+                        <m:e>
+                          <m:r>
+                            <a:rPr lang="en-US" b="1" i="1" smtClean="0">
+                              <a:latin typeface="Cambria Math" panose="02040503050406030204" pitchFamily="18" charset="0"/>
+                            </a:rPr>
+                            <m:t>𝒚</m:t>
+                          </m:r>
+                        </m:e>
+                      </m:acc>
+                    </m:oMath>
+                  </m:oMathPara>
+                </a14:m>
+                <a:endParaRPr lang="en-US" b="1" dirty="0"/>
+              </a:p>
+            </p:txBody>
+          </p:sp>
+        </mc:Choice>
+        <mc:Fallback>
+          <p:sp>
+            <p:nvSpPr>
+              <p:cNvPr id="61" name="TextBox 60">
+                <a:extLst>
+                  <a:ext uri="{FF2B5EF4-FFF2-40B4-BE49-F238E27FC236}">
+                    <a16:creationId xmlns:a16="http://schemas.microsoft.com/office/drawing/2014/main" id="{364E8D6C-F73E-4BFC-B5D3-3977597CAD4D}"/>
+                  </a:ext>
+                </a:extLst>
+              </p:cNvPr>
+              <p:cNvSpPr txBox="1">
+                <a:spLocks noRot="1" noChangeAspect="1" noMove="1" noResize="1" noEditPoints="1" noAdjustHandles="1" noChangeArrowheads="1" noChangeShapeType="1" noTextEdit="1"/>
+              </p:cNvSpPr>
+              <p:nvPr/>
+            </p:nvSpPr>
+            <p:spPr>
+              <a:xfrm>
+                <a:off x="5419182" y="1621064"/>
+                <a:ext cx="375424" cy="369332"/>
+              </a:xfrm>
+              <a:prstGeom prst="rect">
+                <a:avLst/>
+              </a:prstGeom>
+              <a:blipFill>
+                <a:blip r:embed="rId4"/>
+                <a:stretch>
+                  <a:fillRect t="-6557" r="-6452" b="-4918"/>
+                </a:stretch>
+              </a:blipFill>
+            </p:spPr>
+            <p:txBody>
+              <a:bodyPr/>
+              <a:lstStyle/>
+              <a:p>
+                <a:r>
+                  <a:rPr lang="en-US">
+                    <a:noFill/>
+                  </a:rPr>
+                  <a:t> </a:t>
+                </a:r>
+              </a:p>
+            </p:txBody>
+          </p:sp>
+        </mc:Fallback>
+      </mc:AlternateContent>
+      <p:sp>
+        <p:nvSpPr>
+          <p:cNvPr id="62" name="Oval 61">
+            <a:extLst>
+              <a:ext uri="{FF2B5EF4-FFF2-40B4-BE49-F238E27FC236}">
+                <a16:creationId xmlns:a16="http://schemas.microsoft.com/office/drawing/2014/main" id="{5235223F-5C58-4790-A586-1366338108DD}"/>
+              </a:ext>
+            </a:extLst>
+          </p:cNvPr>
+          <p:cNvSpPr/>
+          <p:nvPr/>
+        </p:nvSpPr>
+        <p:spPr>
+          <a:xfrm>
+            <a:off x="5689384" y="2498663"/>
+            <a:ext cx="119743" cy="130628"/>
+          </a:xfrm>
+          <a:prstGeom prst="ellipse">
+            <a:avLst/>
+          </a:prstGeom>
+          <a:solidFill>
+            <a:srgbClr val="C00000"/>
+          </a:solidFill>
+        </p:spPr>
+        <p:style>
+          <a:lnRef idx="2">
+            <a:schemeClr val="accent1">
+              <a:shade val="50000"/>
+            </a:schemeClr>
+          </a:lnRef>
+          <a:fillRef idx="1">
+            <a:schemeClr val="accent1"/>
+          </a:fillRef>
+          <a:effectRef idx="0">
+            <a:schemeClr val="accent1"/>
+          </a:effectRef>
+          <a:fontRef idx="minor">
+            <a:schemeClr val="lt1"/>
+          </a:fontRef>
+        </p:style>
+        <p:txBody>
+          <a:bodyPr rtlCol="0" anchor="ctr"/>
+          <a:lstStyle/>
+          <a:p>
+            <a:pPr algn="ctr"/>
+            <a:endParaRPr lang="en-US"/>
+          </a:p>
+        </p:txBody>
+      </p:sp>
+      <p:sp>
+        <p:nvSpPr>
+          <p:cNvPr id="63" name="Oval 62">
+            <a:extLst>
+              <a:ext uri="{FF2B5EF4-FFF2-40B4-BE49-F238E27FC236}">
+                <a16:creationId xmlns:a16="http://schemas.microsoft.com/office/drawing/2014/main" id="{3B69C9C1-B692-4ED5-B1AB-3030083F669E}"/>
+              </a:ext>
+            </a:extLst>
+          </p:cNvPr>
+          <p:cNvSpPr/>
+          <p:nvPr/>
+        </p:nvSpPr>
+        <p:spPr>
+          <a:xfrm>
+            <a:off x="4972737" y="2505467"/>
+            <a:ext cx="119743" cy="130628"/>
+          </a:xfrm>
+          <a:prstGeom prst="ellipse">
+            <a:avLst/>
+          </a:prstGeom>
+          <a:solidFill>
+            <a:srgbClr val="C00000"/>
+          </a:solidFill>
+        </p:spPr>
+        <p:style>
+          <a:lnRef idx="2">
+            <a:schemeClr val="accent1">
+              <a:shade val="50000"/>
+            </a:schemeClr>
+          </a:lnRef>
+          <a:fillRef idx="1">
+            <a:schemeClr val="accent1"/>
+          </a:fillRef>
+          <a:effectRef idx="0">
+            <a:schemeClr val="accent1"/>
+          </a:effectRef>
+          <a:fontRef idx="minor">
+            <a:schemeClr val="lt1"/>
+          </a:fontRef>
+        </p:style>
+        <p:txBody>
+          <a:bodyPr rtlCol="0" anchor="ctr"/>
+          <a:lstStyle/>
+          <a:p>
+            <a:pPr algn="ctr"/>
+            <a:endParaRPr lang="en-US"/>
+          </a:p>
+        </p:txBody>
+      </p:sp>
+      <p:sp>
+        <p:nvSpPr>
+          <p:cNvPr id="64" name="Oval 63">
+            <a:extLst>
+              <a:ext uri="{FF2B5EF4-FFF2-40B4-BE49-F238E27FC236}">
+                <a16:creationId xmlns:a16="http://schemas.microsoft.com/office/drawing/2014/main" id="{AF7C1BFC-26A8-42C8-82F1-2942767F0644}"/>
+              </a:ext>
+            </a:extLst>
+          </p:cNvPr>
+          <p:cNvSpPr/>
+          <p:nvPr/>
+        </p:nvSpPr>
+        <p:spPr>
+          <a:xfrm>
+            <a:off x="6513289" y="2498663"/>
+            <a:ext cx="119743" cy="130628"/>
+          </a:xfrm>
+          <a:prstGeom prst="ellipse">
+            <a:avLst/>
+          </a:prstGeom>
+          <a:solidFill>
+            <a:srgbClr val="C00000"/>
+          </a:solidFill>
+        </p:spPr>
+        <p:style>
+          <a:lnRef idx="2">
+            <a:schemeClr val="accent1">
+              <a:shade val="50000"/>
+            </a:schemeClr>
+          </a:lnRef>
+          <a:fillRef idx="1">
+            <a:schemeClr val="accent1"/>
+          </a:fillRef>
+          <a:effectRef idx="0">
+            <a:schemeClr val="accent1"/>
+          </a:effectRef>
+          <a:fontRef idx="minor">
+            <a:schemeClr val="lt1"/>
+          </a:fontRef>
+        </p:style>
+        <p:txBody>
+          <a:bodyPr rtlCol="0" anchor="ctr"/>
+          <a:lstStyle/>
+          <a:p>
+            <a:pPr algn="ctr"/>
+            <a:endParaRPr lang="en-US"/>
+          </a:p>
+        </p:txBody>
+      </p:sp>
+      <p:sp>
+        <p:nvSpPr>
+          <p:cNvPr id="65" name="Oval 64">
+            <a:extLst>
+              <a:ext uri="{FF2B5EF4-FFF2-40B4-BE49-F238E27FC236}">
+                <a16:creationId xmlns:a16="http://schemas.microsoft.com/office/drawing/2014/main" id="{1EDB34EB-79B6-4920-A0CD-68072DEC9606}"/>
+              </a:ext>
+            </a:extLst>
+          </p:cNvPr>
+          <p:cNvSpPr/>
+          <p:nvPr/>
+        </p:nvSpPr>
+        <p:spPr>
+          <a:xfrm>
+            <a:off x="4074127" y="2512881"/>
+            <a:ext cx="119743" cy="130628"/>
+          </a:xfrm>
+          <a:prstGeom prst="ellipse">
+            <a:avLst/>
+          </a:prstGeom>
+          <a:solidFill>
+            <a:srgbClr val="C00000"/>
+          </a:solidFill>
+        </p:spPr>
+        <p:style>
+          <a:lnRef idx="2">
+            <a:schemeClr val="accent1">
+              <a:shade val="50000"/>
+            </a:schemeClr>
+          </a:lnRef>
+          <a:fillRef idx="1">
+            <a:schemeClr val="accent1"/>
+          </a:fillRef>
+          <a:effectRef idx="0">
+            <a:schemeClr val="accent1"/>
+          </a:effectRef>
+          <a:fontRef idx="minor">
+            <a:schemeClr val="lt1"/>
+          </a:fontRef>
+        </p:style>
+        <p:txBody>
+          <a:bodyPr rtlCol="0" anchor="ctr"/>
+          <a:lstStyle/>
+          <a:p>
+            <a:pPr algn="ctr"/>
+            <a:endParaRPr lang="en-US"/>
+          </a:p>
+        </p:txBody>
+      </p:sp>
+      <p:grpSp>
+        <p:nvGrpSpPr>
+          <p:cNvPr id="74" name="Group 73">
+            <a:extLst>
+              <a:ext uri="{FF2B5EF4-FFF2-40B4-BE49-F238E27FC236}">
+                <a16:creationId xmlns:a16="http://schemas.microsoft.com/office/drawing/2014/main" id="{B5C413B0-3F74-441D-8397-8022357C41BB}"/>
+              </a:ext>
+            </a:extLst>
+          </p:cNvPr>
+          <p:cNvGrpSpPr/>
+          <p:nvPr/>
+        </p:nvGrpSpPr>
+        <p:grpSpPr>
+          <a:xfrm>
+            <a:off x="2833393" y="2412365"/>
+            <a:ext cx="886070" cy="303223"/>
+            <a:chOff x="3468966" y="1636077"/>
+            <a:chExt cx="1250312" cy="506998"/>
+          </a:xfrm>
+        </p:grpSpPr>
+        <p:grpSp>
+          <p:nvGrpSpPr>
+            <p:cNvPr id="75" name="Group 74">
+              <a:extLst>
+                <a:ext uri="{FF2B5EF4-FFF2-40B4-BE49-F238E27FC236}">
+                  <a16:creationId xmlns:a16="http://schemas.microsoft.com/office/drawing/2014/main" id="{B7931AC6-AC64-4BC2-9706-F805033B6CCB}"/>
+                </a:ext>
+              </a:extLst>
+            </p:cNvPr>
+            <p:cNvGrpSpPr/>
+            <p:nvPr/>
+          </p:nvGrpSpPr>
+          <p:grpSpPr>
+            <a:xfrm>
+              <a:off x="3468966" y="1638010"/>
+              <a:ext cx="834110" cy="505065"/>
+              <a:chOff x="5649686" y="1506195"/>
+              <a:chExt cx="2685908" cy="728642"/>
+            </a:xfrm>
+          </p:grpSpPr>
+          <p:grpSp>
+            <p:nvGrpSpPr>
+              <p:cNvPr id="79" name="Group 78">
+                <a:extLst>
+                  <a:ext uri="{FF2B5EF4-FFF2-40B4-BE49-F238E27FC236}">
+                    <a16:creationId xmlns:a16="http://schemas.microsoft.com/office/drawing/2014/main" id="{F7D680D6-C807-460B-9B97-6294C0EA5A61}"/>
+                  </a:ext>
+                </a:extLst>
+              </p:cNvPr>
+              <p:cNvGrpSpPr/>
+              <p:nvPr/>
+            </p:nvGrpSpPr>
+            <p:grpSpPr>
+              <a:xfrm>
+                <a:off x="5649686" y="1513114"/>
+                <a:ext cx="1342954" cy="721723"/>
+                <a:chOff x="6158362" y="1321257"/>
+                <a:chExt cx="4045564" cy="1446995"/>
+              </a:xfrm>
+            </p:grpSpPr>
+            <p:sp>
+              <p:nvSpPr>
+                <p:cNvPr id="83" name="Freeform: Shape 82">
+                  <a:extLst>
+                    <a:ext uri="{FF2B5EF4-FFF2-40B4-BE49-F238E27FC236}">
+                      <a16:creationId xmlns:a16="http://schemas.microsoft.com/office/drawing/2014/main" id="{8C13E683-8687-4551-92DB-FA3D9C050C7D}"/>
+                    </a:ext>
+                  </a:extLst>
+                </p:cNvPr>
+                <p:cNvSpPr/>
+                <p:nvPr/>
+              </p:nvSpPr>
+              <p:spPr>
+                <a:xfrm>
+                  <a:off x="6158362" y="1321257"/>
+                  <a:ext cx="2026920" cy="731520"/>
+                </a:xfrm>
+                <a:custGeom>
+                  <a:avLst/>
+                  <a:gdLst>
+                    <a:gd name="connsiteX0" fmla="*/ 0 w 2026920"/>
+                    <a:gd name="connsiteY0" fmla="*/ 729343 h 731520"/>
+                    <a:gd name="connsiteX1" fmla="*/ 1021080 w 2026920"/>
+                    <a:gd name="connsiteY1" fmla="*/ 0 h 731520"/>
+                    <a:gd name="connsiteX2" fmla="*/ 2026920 w 2026920"/>
+                    <a:gd name="connsiteY2" fmla="*/ 731520 h 731520"/>
+                  </a:gdLst>
+                  <a:ahLst/>
+                  <a:cxnLst>
+                    <a:cxn ang="0">
+                      <a:pos x="connsiteX0" y="connsiteY0"/>
+                    </a:cxn>
+                    <a:cxn ang="0">
+                      <a:pos x="connsiteX1" y="connsiteY1"/>
+                    </a:cxn>
+                    <a:cxn ang="0">
+                      <a:pos x="connsiteX2" y="connsiteY2"/>
+                    </a:cxn>
+                  </a:cxnLst>
+                  <a:rect l="l" t="t" r="r" b="b"/>
+                  <a:pathLst>
+                    <a:path w="2026920" h="731520">
+                      <a:moveTo>
+                        <a:pt x="0" y="729343"/>
+                      </a:moveTo>
+                      <a:cubicBezTo>
+                        <a:pt x="341630" y="364490"/>
+                        <a:pt x="683260" y="-363"/>
+                        <a:pt x="1021080" y="0"/>
+                      </a:cubicBezTo>
+                      <a:cubicBezTo>
+                        <a:pt x="1358900" y="363"/>
+                        <a:pt x="1692910" y="365941"/>
+                        <a:pt x="2026920" y="731520"/>
+                      </a:cubicBezTo>
+                    </a:path>
+                  </a:pathLst>
+                </a:custGeom>
+                <a:noFill/>
+                <a:ln w="25400">
+                  <a:solidFill>
+                    <a:srgbClr val="FF0000"/>
+                  </a:solidFill>
+                </a:ln>
+              </p:spPr>
+              <p:style>
+                <a:lnRef idx="2">
+                  <a:schemeClr val="accent1">
+                    <a:shade val="50000"/>
+                  </a:schemeClr>
+                </a:lnRef>
+                <a:fillRef idx="1">
+                  <a:schemeClr val="accent1"/>
+                </a:fillRef>
+                <a:effectRef idx="0">
+                  <a:schemeClr val="accent1"/>
+                </a:effectRef>
+                <a:fontRef idx="minor">
+                  <a:schemeClr val="lt1"/>
+                </a:fontRef>
+              </p:style>
+              <p:txBody>
+                <a:bodyPr rtlCol="0" anchor="ctr"/>
+                <a:lstStyle/>
+                <a:p>
+                  <a:pPr algn="ctr"/>
+                  <a:endParaRPr lang="en-US"/>
+                </a:p>
+              </p:txBody>
+            </p:sp>
+            <p:sp>
+              <p:nvSpPr>
+                <p:cNvPr id="84" name="Freeform: Shape 83">
+                  <a:extLst>
+                    <a:ext uri="{FF2B5EF4-FFF2-40B4-BE49-F238E27FC236}">
+                      <a16:creationId xmlns:a16="http://schemas.microsoft.com/office/drawing/2014/main" id="{364AB4C8-E397-4184-9279-09A0A31A60CD}"/>
+                    </a:ext>
+                  </a:extLst>
+                </p:cNvPr>
+                <p:cNvSpPr/>
+                <p:nvPr/>
+              </p:nvSpPr>
+              <p:spPr>
+                <a:xfrm flipV="1">
+                  <a:off x="8177006" y="2045187"/>
+                  <a:ext cx="2026920" cy="723065"/>
+                </a:xfrm>
+                <a:custGeom>
+                  <a:avLst/>
+                  <a:gdLst>
+                    <a:gd name="connsiteX0" fmla="*/ 0 w 2026920"/>
+                    <a:gd name="connsiteY0" fmla="*/ 729343 h 731520"/>
+                    <a:gd name="connsiteX1" fmla="*/ 1021080 w 2026920"/>
+                    <a:gd name="connsiteY1" fmla="*/ 0 h 731520"/>
+                    <a:gd name="connsiteX2" fmla="*/ 2026920 w 2026920"/>
+                    <a:gd name="connsiteY2" fmla="*/ 731520 h 731520"/>
+                  </a:gdLst>
+                  <a:ahLst/>
+                  <a:cxnLst>
+                    <a:cxn ang="0">
+                      <a:pos x="connsiteX0" y="connsiteY0"/>
+                    </a:cxn>
+                    <a:cxn ang="0">
+                      <a:pos x="connsiteX1" y="connsiteY1"/>
+                    </a:cxn>
+                    <a:cxn ang="0">
+                      <a:pos x="connsiteX2" y="connsiteY2"/>
+                    </a:cxn>
+                  </a:cxnLst>
+                  <a:rect l="l" t="t" r="r" b="b"/>
+                  <a:pathLst>
+                    <a:path w="2026920" h="731520">
+                      <a:moveTo>
+                        <a:pt x="0" y="729343"/>
+                      </a:moveTo>
+                      <a:cubicBezTo>
+                        <a:pt x="341630" y="364490"/>
+                        <a:pt x="683260" y="-363"/>
+                        <a:pt x="1021080" y="0"/>
+                      </a:cubicBezTo>
+                      <a:cubicBezTo>
+                        <a:pt x="1358900" y="363"/>
+                        <a:pt x="1692910" y="365941"/>
+                        <a:pt x="2026920" y="731520"/>
+                      </a:cubicBezTo>
+                    </a:path>
+                  </a:pathLst>
+                </a:custGeom>
+                <a:noFill/>
+                <a:ln w="25400">
+                  <a:solidFill>
+                    <a:srgbClr val="FF0000"/>
+                  </a:solidFill>
+                </a:ln>
+              </p:spPr>
+              <p:style>
+                <a:lnRef idx="2">
+                  <a:schemeClr val="accent1">
+                    <a:shade val="50000"/>
+                  </a:schemeClr>
+                </a:lnRef>
+                <a:fillRef idx="1">
+                  <a:schemeClr val="accent1"/>
+                </a:fillRef>
+                <a:effectRef idx="0">
+                  <a:schemeClr val="accent1"/>
+                </a:effectRef>
+                <a:fontRef idx="minor">
+                  <a:schemeClr val="lt1"/>
+                </a:fontRef>
+              </p:style>
+              <p:txBody>
+                <a:bodyPr rtlCol="0" anchor="ctr"/>
+                <a:lstStyle/>
+                <a:p>
+                  <a:pPr algn="ctr"/>
+                  <a:endParaRPr lang="en-US" dirty="0"/>
+                </a:p>
+              </p:txBody>
+            </p:sp>
+          </p:grpSp>
+          <p:grpSp>
+            <p:nvGrpSpPr>
+              <p:cNvPr id="80" name="Group 79">
+                <a:extLst>
+                  <a:ext uri="{FF2B5EF4-FFF2-40B4-BE49-F238E27FC236}">
+                    <a16:creationId xmlns:a16="http://schemas.microsoft.com/office/drawing/2014/main" id="{14D64098-7985-4731-8659-84F298A06D4B}"/>
+                  </a:ext>
+                </a:extLst>
+              </p:cNvPr>
+              <p:cNvGrpSpPr/>
+              <p:nvPr/>
+            </p:nvGrpSpPr>
+            <p:grpSpPr>
+              <a:xfrm>
+                <a:off x="6992640" y="1506195"/>
+                <a:ext cx="1342954" cy="721723"/>
+                <a:chOff x="6158362" y="1321257"/>
+                <a:chExt cx="4045564" cy="1446995"/>
+              </a:xfrm>
+            </p:grpSpPr>
+            <p:sp>
+              <p:nvSpPr>
+                <p:cNvPr id="81" name="Freeform: Shape 80">
+                  <a:extLst>
+                    <a:ext uri="{FF2B5EF4-FFF2-40B4-BE49-F238E27FC236}">
+                      <a16:creationId xmlns:a16="http://schemas.microsoft.com/office/drawing/2014/main" id="{08C09B7D-D817-45D9-934C-8EE77B1F9C94}"/>
+                    </a:ext>
+                  </a:extLst>
+                </p:cNvPr>
+                <p:cNvSpPr/>
+                <p:nvPr/>
+              </p:nvSpPr>
+              <p:spPr>
+                <a:xfrm>
+                  <a:off x="6158362" y="1321257"/>
+                  <a:ext cx="2026920" cy="731520"/>
+                </a:xfrm>
+                <a:custGeom>
+                  <a:avLst/>
+                  <a:gdLst>
+                    <a:gd name="connsiteX0" fmla="*/ 0 w 2026920"/>
+                    <a:gd name="connsiteY0" fmla="*/ 729343 h 731520"/>
+                    <a:gd name="connsiteX1" fmla="*/ 1021080 w 2026920"/>
+                    <a:gd name="connsiteY1" fmla="*/ 0 h 731520"/>
+                    <a:gd name="connsiteX2" fmla="*/ 2026920 w 2026920"/>
+                    <a:gd name="connsiteY2" fmla="*/ 731520 h 731520"/>
+                  </a:gdLst>
+                  <a:ahLst/>
+                  <a:cxnLst>
+                    <a:cxn ang="0">
+                      <a:pos x="connsiteX0" y="connsiteY0"/>
+                    </a:cxn>
+                    <a:cxn ang="0">
+                      <a:pos x="connsiteX1" y="connsiteY1"/>
+                    </a:cxn>
+                    <a:cxn ang="0">
+                      <a:pos x="connsiteX2" y="connsiteY2"/>
+                    </a:cxn>
+                  </a:cxnLst>
+                  <a:rect l="l" t="t" r="r" b="b"/>
+                  <a:pathLst>
+                    <a:path w="2026920" h="731520">
+                      <a:moveTo>
+                        <a:pt x="0" y="729343"/>
+                      </a:moveTo>
+                      <a:cubicBezTo>
+                        <a:pt x="341630" y="364490"/>
+                        <a:pt x="683260" y="-363"/>
+                        <a:pt x="1021080" y="0"/>
+                      </a:cubicBezTo>
+                      <a:cubicBezTo>
+                        <a:pt x="1358900" y="363"/>
+                        <a:pt x="1692910" y="365941"/>
+                        <a:pt x="2026920" y="731520"/>
+                      </a:cubicBezTo>
+                    </a:path>
+                  </a:pathLst>
+                </a:custGeom>
+                <a:noFill/>
+                <a:ln w="25400">
+                  <a:solidFill>
+                    <a:srgbClr val="FF0000"/>
+                  </a:solidFill>
+                </a:ln>
+              </p:spPr>
+              <p:style>
+                <a:lnRef idx="2">
+                  <a:schemeClr val="accent1">
+                    <a:shade val="50000"/>
+                  </a:schemeClr>
+                </a:lnRef>
+                <a:fillRef idx="1">
+                  <a:schemeClr val="accent1"/>
+                </a:fillRef>
+                <a:effectRef idx="0">
+                  <a:schemeClr val="accent1"/>
+                </a:effectRef>
+                <a:fontRef idx="minor">
+                  <a:schemeClr val="lt1"/>
+                </a:fontRef>
+              </p:style>
+              <p:txBody>
+                <a:bodyPr rtlCol="0" anchor="ctr"/>
+                <a:lstStyle/>
+                <a:p>
+                  <a:pPr algn="ctr"/>
+                  <a:endParaRPr lang="en-US"/>
+                </a:p>
+              </p:txBody>
+            </p:sp>
+            <p:sp>
+              <p:nvSpPr>
+                <p:cNvPr id="82" name="Freeform: Shape 81">
+                  <a:extLst>
+                    <a:ext uri="{FF2B5EF4-FFF2-40B4-BE49-F238E27FC236}">
+                      <a16:creationId xmlns:a16="http://schemas.microsoft.com/office/drawing/2014/main" id="{61521E6E-7B6A-49E7-940D-2520FF386D2C}"/>
+                    </a:ext>
+                  </a:extLst>
+                </p:cNvPr>
+                <p:cNvSpPr/>
+                <p:nvPr/>
+              </p:nvSpPr>
+              <p:spPr>
+                <a:xfrm flipV="1">
+                  <a:off x="8177006" y="2045187"/>
+                  <a:ext cx="2026920" cy="723065"/>
+                </a:xfrm>
+                <a:custGeom>
+                  <a:avLst/>
+                  <a:gdLst>
+                    <a:gd name="connsiteX0" fmla="*/ 0 w 2026920"/>
+                    <a:gd name="connsiteY0" fmla="*/ 729343 h 731520"/>
+                    <a:gd name="connsiteX1" fmla="*/ 1021080 w 2026920"/>
+                    <a:gd name="connsiteY1" fmla="*/ 0 h 731520"/>
+                    <a:gd name="connsiteX2" fmla="*/ 2026920 w 2026920"/>
+                    <a:gd name="connsiteY2" fmla="*/ 731520 h 731520"/>
+                  </a:gdLst>
+                  <a:ahLst/>
+                  <a:cxnLst>
+                    <a:cxn ang="0">
+                      <a:pos x="connsiteX0" y="connsiteY0"/>
+                    </a:cxn>
+                    <a:cxn ang="0">
+                      <a:pos x="connsiteX1" y="connsiteY1"/>
+                    </a:cxn>
+                    <a:cxn ang="0">
+                      <a:pos x="connsiteX2" y="connsiteY2"/>
+                    </a:cxn>
+                  </a:cxnLst>
+                  <a:rect l="l" t="t" r="r" b="b"/>
+                  <a:pathLst>
+                    <a:path w="2026920" h="731520">
+                      <a:moveTo>
+                        <a:pt x="0" y="729343"/>
+                      </a:moveTo>
+                      <a:cubicBezTo>
+                        <a:pt x="341630" y="364490"/>
+                        <a:pt x="683260" y="-363"/>
+                        <a:pt x="1021080" y="0"/>
+                      </a:cubicBezTo>
+                      <a:cubicBezTo>
+                        <a:pt x="1358900" y="363"/>
+                        <a:pt x="1692910" y="365941"/>
+                        <a:pt x="2026920" y="731520"/>
+                      </a:cubicBezTo>
+                    </a:path>
+                  </a:pathLst>
+                </a:custGeom>
+                <a:noFill/>
+                <a:ln w="25400">
+                  <a:solidFill>
+                    <a:srgbClr val="FF0000"/>
+                  </a:solidFill>
+                </a:ln>
+              </p:spPr>
+              <p:style>
+                <a:lnRef idx="2">
+                  <a:schemeClr val="accent1">
+                    <a:shade val="50000"/>
+                  </a:schemeClr>
+                </a:lnRef>
+                <a:fillRef idx="1">
+                  <a:schemeClr val="accent1"/>
+                </a:fillRef>
+                <a:effectRef idx="0">
+                  <a:schemeClr val="accent1"/>
+                </a:effectRef>
+                <a:fontRef idx="minor">
+                  <a:schemeClr val="lt1"/>
+                </a:fontRef>
+              </p:style>
+              <p:txBody>
+                <a:bodyPr rtlCol="0" anchor="ctr"/>
+                <a:lstStyle/>
+                <a:p>
+                  <a:pPr algn="ctr"/>
+                  <a:endParaRPr lang="en-US"/>
+                </a:p>
+              </p:txBody>
+            </p:sp>
+          </p:grpSp>
+        </p:grpSp>
+        <p:grpSp>
+          <p:nvGrpSpPr>
+            <p:cNvPr id="76" name="Group 75">
+              <a:extLst>
+                <a:ext uri="{FF2B5EF4-FFF2-40B4-BE49-F238E27FC236}">
+                  <a16:creationId xmlns:a16="http://schemas.microsoft.com/office/drawing/2014/main" id="{6B6B8AA2-8929-479F-A8FF-733F6D68A600}"/>
+                </a:ext>
+              </a:extLst>
+            </p:cNvPr>
+            <p:cNvGrpSpPr/>
+            <p:nvPr/>
+          </p:nvGrpSpPr>
+          <p:grpSpPr>
+            <a:xfrm>
+              <a:off x="4302223" y="1636077"/>
+              <a:ext cx="417055" cy="500269"/>
+              <a:chOff x="6158362" y="1321257"/>
+              <a:chExt cx="4045564" cy="1446995"/>
+            </a:xfrm>
+          </p:grpSpPr>
+          <p:sp>
+            <p:nvSpPr>
+              <p:cNvPr id="77" name="Freeform: Shape 76">
+                <a:extLst>
+                  <a:ext uri="{FF2B5EF4-FFF2-40B4-BE49-F238E27FC236}">
+                    <a16:creationId xmlns:a16="http://schemas.microsoft.com/office/drawing/2014/main" id="{71BAA707-7438-4111-86A6-AF00BAECDC84}"/>
+                  </a:ext>
+                </a:extLst>
+              </p:cNvPr>
+              <p:cNvSpPr/>
+              <p:nvPr/>
+            </p:nvSpPr>
+            <p:spPr>
+              <a:xfrm>
+                <a:off x="6158362" y="1321257"/>
+                <a:ext cx="2026920" cy="731520"/>
+              </a:xfrm>
+              <a:custGeom>
+                <a:avLst/>
+                <a:gdLst>
+                  <a:gd name="connsiteX0" fmla="*/ 0 w 2026920"/>
+                  <a:gd name="connsiteY0" fmla="*/ 729343 h 731520"/>
+                  <a:gd name="connsiteX1" fmla="*/ 1021080 w 2026920"/>
+                  <a:gd name="connsiteY1" fmla="*/ 0 h 731520"/>
+                  <a:gd name="connsiteX2" fmla="*/ 2026920 w 2026920"/>
+                  <a:gd name="connsiteY2" fmla="*/ 731520 h 731520"/>
+                </a:gdLst>
+                <a:ahLst/>
+                <a:cxnLst>
+                  <a:cxn ang="0">
+                    <a:pos x="connsiteX0" y="connsiteY0"/>
+                  </a:cxn>
+                  <a:cxn ang="0">
+                    <a:pos x="connsiteX1" y="connsiteY1"/>
+                  </a:cxn>
+                  <a:cxn ang="0">
+                    <a:pos x="connsiteX2" y="connsiteY2"/>
+                  </a:cxn>
+                </a:cxnLst>
+                <a:rect l="l" t="t" r="r" b="b"/>
+                <a:pathLst>
+                  <a:path w="2026920" h="731520">
+                    <a:moveTo>
+                      <a:pt x="0" y="729343"/>
+                    </a:moveTo>
+                    <a:cubicBezTo>
+                      <a:pt x="341630" y="364490"/>
+                      <a:pt x="683260" y="-363"/>
+                      <a:pt x="1021080" y="0"/>
+                    </a:cubicBezTo>
+                    <a:cubicBezTo>
+                      <a:pt x="1358900" y="363"/>
+                      <a:pt x="1692910" y="365941"/>
+                      <a:pt x="2026920" y="731520"/>
+                    </a:cubicBezTo>
+                  </a:path>
+                </a:pathLst>
+              </a:custGeom>
+              <a:noFill/>
+              <a:ln w="25400">
+                <a:solidFill>
+                  <a:srgbClr val="FF0000"/>
+                </a:solidFill>
+              </a:ln>
+            </p:spPr>
+            <p:style>
+              <a:lnRef idx="2">
+                <a:schemeClr val="accent1">
+                  <a:shade val="50000"/>
+                </a:schemeClr>
+              </a:lnRef>
+              <a:fillRef idx="1">
+                <a:schemeClr val="accent1"/>
+              </a:fillRef>
+              <a:effectRef idx="0">
+                <a:schemeClr val="accent1"/>
+              </a:effectRef>
+              <a:fontRef idx="minor">
+                <a:schemeClr val="lt1"/>
+              </a:fontRef>
+            </p:style>
+            <p:txBody>
+              <a:bodyPr rtlCol="0" anchor="ctr"/>
+              <a:lstStyle/>
+              <a:p>
+                <a:pPr algn="ctr"/>
+                <a:endParaRPr lang="en-US"/>
+              </a:p>
+            </p:txBody>
+          </p:sp>
+          <p:sp>
+            <p:nvSpPr>
+              <p:cNvPr id="78" name="Freeform: Shape 77">
+                <a:extLst>
+                  <a:ext uri="{FF2B5EF4-FFF2-40B4-BE49-F238E27FC236}">
+                    <a16:creationId xmlns:a16="http://schemas.microsoft.com/office/drawing/2014/main" id="{A7242E1B-EDCE-4A83-8A6F-8CF39FBA97E6}"/>
+                  </a:ext>
+                </a:extLst>
+              </p:cNvPr>
+              <p:cNvSpPr/>
+              <p:nvPr/>
+            </p:nvSpPr>
+            <p:spPr>
+              <a:xfrm flipV="1">
+                <a:off x="8177006" y="2045187"/>
+                <a:ext cx="2026920" cy="723065"/>
+              </a:xfrm>
+              <a:custGeom>
+                <a:avLst/>
+                <a:gdLst>
+                  <a:gd name="connsiteX0" fmla="*/ 0 w 2026920"/>
+                  <a:gd name="connsiteY0" fmla="*/ 729343 h 731520"/>
+                  <a:gd name="connsiteX1" fmla="*/ 1021080 w 2026920"/>
+                  <a:gd name="connsiteY1" fmla="*/ 0 h 731520"/>
+                  <a:gd name="connsiteX2" fmla="*/ 2026920 w 2026920"/>
+                  <a:gd name="connsiteY2" fmla="*/ 731520 h 731520"/>
+                </a:gdLst>
+                <a:ahLst/>
+                <a:cxnLst>
+                  <a:cxn ang="0">
+                    <a:pos x="connsiteX0" y="connsiteY0"/>
+                  </a:cxn>
+                  <a:cxn ang="0">
+                    <a:pos x="connsiteX1" y="connsiteY1"/>
+                  </a:cxn>
+                  <a:cxn ang="0">
+                    <a:pos x="connsiteX2" y="connsiteY2"/>
+                  </a:cxn>
+                </a:cxnLst>
+                <a:rect l="l" t="t" r="r" b="b"/>
+                <a:pathLst>
+                  <a:path w="2026920" h="731520">
+                    <a:moveTo>
+                      <a:pt x="0" y="729343"/>
+                    </a:moveTo>
+                    <a:cubicBezTo>
+                      <a:pt x="341630" y="364490"/>
+                      <a:pt x="683260" y="-363"/>
+                      <a:pt x="1021080" y="0"/>
+                    </a:cubicBezTo>
+                    <a:cubicBezTo>
+                      <a:pt x="1358900" y="363"/>
+                      <a:pt x="1692910" y="365941"/>
+                      <a:pt x="2026920" y="731520"/>
+                    </a:cubicBezTo>
+                  </a:path>
+                </a:pathLst>
+              </a:custGeom>
+              <a:noFill/>
+              <a:ln w="25400">
+                <a:solidFill>
+                  <a:srgbClr val="FF0000"/>
+                </a:solidFill>
+              </a:ln>
+            </p:spPr>
+            <p:style>
+              <a:lnRef idx="2">
+                <a:schemeClr val="accent1">
+                  <a:shade val="50000"/>
+                </a:schemeClr>
+              </a:lnRef>
+              <a:fillRef idx="1">
+                <a:schemeClr val="accent1"/>
+              </a:fillRef>
+              <a:effectRef idx="0">
+                <a:schemeClr val="accent1"/>
+              </a:effectRef>
+              <a:fontRef idx="minor">
+                <a:schemeClr val="lt1"/>
+              </a:fontRef>
+            </p:style>
+            <p:txBody>
+              <a:bodyPr rtlCol="0" anchor="ctr"/>
+              <a:lstStyle/>
+              <a:p>
+                <a:pPr algn="ctr"/>
+                <a:endParaRPr lang="en-US"/>
+              </a:p>
+            </p:txBody>
+          </p:sp>
+        </p:grpSp>
+      </p:grpSp>
+      <p:grpSp>
+        <p:nvGrpSpPr>
+          <p:cNvPr id="85" name="Group 84">
+            <a:extLst>
+              <a:ext uri="{FF2B5EF4-FFF2-40B4-BE49-F238E27FC236}">
+                <a16:creationId xmlns:a16="http://schemas.microsoft.com/office/drawing/2014/main" id="{28ACED2F-0D07-4B2B-A563-1AFD3AB0645E}"/>
+              </a:ext>
+            </a:extLst>
+          </p:cNvPr>
+          <p:cNvGrpSpPr/>
+          <p:nvPr/>
+        </p:nvGrpSpPr>
+        <p:grpSpPr>
+          <a:xfrm>
+            <a:off x="7381515" y="2300283"/>
+            <a:ext cx="886070" cy="303223"/>
+            <a:chOff x="3468966" y="1636077"/>
+            <a:chExt cx="1250312" cy="506998"/>
+          </a:xfrm>
+        </p:grpSpPr>
+        <p:grpSp>
+          <p:nvGrpSpPr>
+            <p:cNvPr id="86" name="Group 85">
+              <a:extLst>
+                <a:ext uri="{FF2B5EF4-FFF2-40B4-BE49-F238E27FC236}">
+                  <a16:creationId xmlns:a16="http://schemas.microsoft.com/office/drawing/2014/main" id="{3B611752-90C7-4C6C-BA24-0160CF6FA058}"/>
+                </a:ext>
+              </a:extLst>
+            </p:cNvPr>
+            <p:cNvGrpSpPr/>
+            <p:nvPr/>
+          </p:nvGrpSpPr>
+          <p:grpSpPr>
+            <a:xfrm>
+              <a:off x="3468966" y="1638010"/>
+              <a:ext cx="834110" cy="505065"/>
+              <a:chOff x="5649686" y="1506195"/>
+              <a:chExt cx="2685908" cy="728642"/>
+            </a:xfrm>
+          </p:grpSpPr>
+          <p:grpSp>
+            <p:nvGrpSpPr>
+              <p:cNvPr id="90" name="Group 89">
+                <a:extLst>
+                  <a:ext uri="{FF2B5EF4-FFF2-40B4-BE49-F238E27FC236}">
+                    <a16:creationId xmlns:a16="http://schemas.microsoft.com/office/drawing/2014/main" id="{99FD3440-B59A-473A-B3C3-DC932EF56D0A}"/>
+                  </a:ext>
+                </a:extLst>
+              </p:cNvPr>
+              <p:cNvGrpSpPr/>
+              <p:nvPr/>
+            </p:nvGrpSpPr>
+            <p:grpSpPr>
+              <a:xfrm>
+                <a:off x="5649686" y="1513114"/>
+                <a:ext cx="1342954" cy="721723"/>
+                <a:chOff x="6158362" y="1321257"/>
+                <a:chExt cx="4045564" cy="1446995"/>
+              </a:xfrm>
+            </p:grpSpPr>
+            <p:sp>
+              <p:nvSpPr>
+                <p:cNvPr id="94" name="Freeform: Shape 93">
+                  <a:extLst>
+                    <a:ext uri="{FF2B5EF4-FFF2-40B4-BE49-F238E27FC236}">
+                      <a16:creationId xmlns:a16="http://schemas.microsoft.com/office/drawing/2014/main" id="{18B245B3-2A4F-4792-BE0B-5DEF77CEB0BC}"/>
+                    </a:ext>
+                  </a:extLst>
+                </p:cNvPr>
+                <p:cNvSpPr/>
+                <p:nvPr/>
+              </p:nvSpPr>
+              <p:spPr>
+                <a:xfrm>
+                  <a:off x="6158362" y="1321257"/>
+                  <a:ext cx="2026920" cy="731520"/>
+                </a:xfrm>
+                <a:custGeom>
+                  <a:avLst/>
+                  <a:gdLst>
+                    <a:gd name="connsiteX0" fmla="*/ 0 w 2026920"/>
+                    <a:gd name="connsiteY0" fmla="*/ 729343 h 731520"/>
+                    <a:gd name="connsiteX1" fmla="*/ 1021080 w 2026920"/>
+                    <a:gd name="connsiteY1" fmla="*/ 0 h 731520"/>
+                    <a:gd name="connsiteX2" fmla="*/ 2026920 w 2026920"/>
+                    <a:gd name="connsiteY2" fmla="*/ 731520 h 731520"/>
+                  </a:gdLst>
+                  <a:ahLst/>
+                  <a:cxnLst>
+                    <a:cxn ang="0">
+                      <a:pos x="connsiteX0" y="connsiteY0"/>
+                    </a:cxn>
+                    <a:cxn ang="0">
+                      <a:pos x="connsiteX1" y="connsiteY1"/>
+                    </a:cxn>
+                    <a:cxn ang="0">
+                      <a:pos x="connsiteX2" y="connsiteY2"/>
+                    </a:cxn>
+                  </a:cxnLst>
+                  <a:rect l="l" t="t" r="r" b="b"/>
+                  <a:pathLst>
+                    <a:path w="2026920" h="731520">
+                      <a:moveTo>
+                        <a:pt x="0" y="729343"/>
+                      </a:moveTo>
+                      <a:cubicBezTo>
+                        <a:pt x="341630" y="364490"/>
+                        <a:pt x="683260" y="-363"/>
+                        <a:pt x="1021080" y="0"/>
+                      </a:cubicBezTo>
+                      <a:cubicBezTo>
+                        <a:pt x="1358900" y="363"/>
+                        <a:pt x="1692910" y="365941"/>
+                        <a:pt x="2026920" y="731520"/>
+                      </a:cubicBezTo>
+                    </a:path>
+                  </a:pathLst>
+                </a:custGeom>
+                <a:noFill/>
+                <a:ln w="25400">
+                  <a:solidFill>
+                    <a:srgbClr val="00B050"/>
+                  </a:solidFill>
+                </a:ln>
+              </p:spPr>
+              <p:style>
+                <a:lnRef idx="2">
+                  <a:schemeClr val="accent1">
+                    <a:shade val="50000"/>
+                  </a:schemeClr>
+                </a:lnRef>
+                <a:fillRef idx="1">
+                  <a:schemeClr val="accent1"/>
+                </a:fillRef>
+                <a:effectRef idx="0">
+                  <a:schemeClr val="accent1"/>
+                </a:effectRef>
+                <a:fontRef idx="minor">
+                  <a:schemeClr val="lt1"/>
+                </a:fontRef>
+              </p:style>
+              <p:txBody>
+                <a:bodyPr rtlCol="0" anchor="ctr"/>
+                <a:lstStyle/>
+                <a:p>
+                  <a:pPr algn="ctr"/>
+                  <a:endParaRPr lang="en-US"/>
+                </a:p>
+              </p:txBody>
+            </p:sp>
+            <p:sp>
+              <p:nvSpPr>
+                <p:cNvPr id="95" name="Freeform: Shape 94">
+                  <a:extLst>
+                    <a:ext uri="{FF2B5EF4-FFF2-40B4-BE49-F238E27FC236}">
+                      <a16:creationId xmlns:a16="http://schemas.microsoft.com/office/drawing/2014/main" id="{5FFC1DE3-426B-41AE-8167-934F3ABBD89C}"/>
+                    </a:ext>
+                  </a:extLst>
+                </p:cNvPr>
+                <p:cNvSpPr/>
+                <p:nvPr/>
+              </p:nvSpPr>
+              <p:spPr>
+                <a:xfrm flipV="1">
+                  <a:off x="8177006" y="2045187"/>
+                  <a:ext cx="2026920" cy="723065"/>
+                </a:xfrm>
+                <a:custGeom>
+                  <a:avLst/>
+                  <a:gdLst>
+                    <a:gd name="connsiteX0" fmla="*/ 0 w 2026920"/>
+                    <a:gd name="connsiteY0" fmla="*/ 729343 h 731520"/>
+                    <a:gd name="connsiteX1" fmla="*/ 1021080 w 2026920"/>
+                    <a:gd name="connsiteY1" fmla="*/ 0 h 731520"/>
+                    <a:gd name="connsiteX2" fmla="*/ 2026920 w 2026920"/>
+                    <a:gd name="connsiteY2" fmla="*/ 731520 h 731520"/>
+                  </a:gdLst>
+                  <a:ahLst/>
+                  <a:cxnLst>
+                    <a:cxn ang="0">
+                      <a:pos x="connsiteX0" y="connsiteY0"/>
+                    </a:cxn>
+                    <a:cxn ang="0">
+                      <a:pos x="connsiteX1" y="connsiteY1"/>
+                    </a:cxn>
+                    <a:cxn ang="0">
+                      <a:pos x="connsiteX2" y="connsiteY2"/>
+                    </a:cxn>
+                  </a:cxnLst>
+                  <a:rect l="l" t="t" r="r" b="b"/>
+                  <a:pathLst>
+                    <a:path w="2026920" h="731520">
+                      <a:moveTo>
+                        <a:pt x="0" y="729343"/>
+                      </a:moveTo>
+                      <a:cubicBezTo>
+                        <a:pt x="341630" y="364490"/>
+                        <a:pt x="683260" y="-363"/>
+                        <a:pt x="1021080" y="0"/>
+                      </a:cubicBezTo>
+                      <a:cubicBezTo>
+                        <a:pt x="1358900" y="363"/>
+                        <a:pt x="1692910" y="365941"/>
+                        <a:pt x="2026920" y="731520"/>
+                      </a:cubicBezTo>
+                    </a:path>
+                  </a:pathLst>
+                </a:custGeom>
+                <a:noFill/>
+                <a:ln w="25400">
+                  <a:solidFill>
+                    <a:srgbClr val="00B050"/>
+                  </a:solidFill>
+                </a:ln>
+              </p:spPr>
+              <p:style>
+                <a:lnRef idx="2">
+                  <a:schemeClr val="accent1">
+                    <a:shade val="50000"/>
+                  </a:schemeClr>
+                </a:lnRef>
+                <a:fillRef idx="1">
+                  <a:schemeClr val="accent1"/>
+                </a:fillRef>
+                <a:effectRef idx="0">
+                  <a:schemeClr val="accent1"/>
+                </a:effectRef>
+                <a:fontRef idx="minor">
+                  <a:schemeClr val="lt1"/>
+                </a:fontRef>
+              </p:style>
+              <p:txBody>
+                <a:bodyPr rtlCol="0" anchor="ctr"/>
+                <a:lstStyle/>
+                <a:p>
+                  <a:pPr algn="ctr"/>
+                  <a:endParaRPr lang="en-US" dirty="0"/>
+                </a:p>
+              </p:txBody>
+            </p:sp>
+          </p:grpSp>
+          <p:grpSp>
+            <p:nvGrpSpPr>
+              <p:cNvPr id="91" name="Group 90">
+                <a:extLst>
+                  <a:ext uri="{FF2B5EF4-FFF2-40B4-BE49-F238E27FC236}">
+                    <a16:creationId xmlns:a16="http://schemas.microsoft.com/office/drawing/2014/main" id="{147EAC4A-70C2-4FD5-95F9-1B5F311A58BF}"/>
+                  </a:ext>
+                </a:extLst>
+              </p:cNvPr>
+              <p:cNvGrpSpPr/>
+              <p:nvPr/>
+            </p:nvGrpSpPr>
+            <p:grpSpPr>
+              <a:xfrm>
+                <a:off x="6992640" y="1506195"/>
+                <a:ext cx="1342954" cy="721723"/>
+                <a:chOff x="6158362" y="1321257"/>
+                <a:chExt cx="4045564" cy="1446995"/>
+              </a:xfrm>
+            </p:grpSpPr>
+            <p:sp>
+              <p:nvSpPr>
+                <p:cNvPr id="92" name="Freeform: Shape 91">
+                  <a:extLst>
+                    <a:ext uri="{FF2B5EF4-FFF2-40B4-BE49-F238E27FC236}">
+                      <a16:creationId xmlns:a16="http://schemas.microsoft.com/office/drawing/2014/main" id="{C8106F42-8247-4FBC-9AE8-58AF408B3410}"/>
+                    </a:ext>
+                  </a:extLst>
+                </p:cNvPr>
+                <p:cNvSpPr/>
+                <p:nvPr/>
+              </p:nvSpPr>
+              <p:spPr>
+                <a:xfrm>
+                  <a:off x="6158362" y="1321257"/>
+                  <a:ext cx="2026920" cy="731520"/>
+                </a:xfrm>
+                <a:custGeom>
+                  <a:avLst/>
+                  <a:gdLst>
+                    <a:gd name="connsiteX0" fmla="*/ 0 w 2026920"/>
+                    <a:gd name="connsiteY0" fmla="*/ 729343 h 731520"/>
+                    <a:gd name="connsiteX1" fmla="*/ 1021080 w 2026920"/>
+                    <a:gd name="connsiteY1" fmla="*/ 0 h 731520"/>
+                    <a:gd name="connsiteX2" fmla="*/ 2026920 w 2026920"/>
+                    <a:gd name="connsiteY2" fmla="*/ 731520 h 731520"/>
+                  </a:gdLst>
+                  <a:ahLst/>
+                  <a:cxnLst>
+                    <a:cxn ang="0">
+                      <a:pos x="connsiteX0" y="connsiteY0"/>
+                    </a:cxn>
+                    <a:cxn ang="0">
+                      <a:pos x="connsiteX1" y="connsiteY1"/>
+                    </a:cxn>
+                    <a:cxn ang="0">
+                      <a:pos x="connsiteX2" y="connsiteY2"/>
+                    </a:cxn>
+                  </a:cxnLst>
+                  <a:rect l="l" t="t" r="r" b="b"/>
+                  <a:pathLst>
+                    <a:path w="2026920" h="731520">
+                      <a:moveTo>
+                        <a:pt x="0" y="729343"/>
+                      </a:moveTo>
+                      <a:cubicBezTo>
+                        <a:pt x="341630" y="364490"/>
+                        <a:pt x="683260" y="-363"/>
+                        <a:pt x="1021080" y="0"/>
+                      </a:cubicBezTo>
+                      <a:cubicBezTo>
+                        <a:pt x="1358900" y="363"/>
+                        <a:pt x="1692910" y="365941"/>
+                        <a:pt x="2026920" y="731520"/>
+                      </a:cubicBezTo>
+                    </a:path>
+                  </a:pathLst>
+                </a:custGeom>
+                <a:noFill/>
+                <a:ln w="25400">
+                  <a:solidFill>
+                    <a:srgbClr val="00B050"/>
+                  </a:solidFill>
+                </a:ln>
+              </p:spPr>
+              <p:style>
+                <a:lnRef idx="2">
+                  <a:schemeClr val="accent1">
+                    <a:shade val="50000"/>
+                  </a:schemeClr>
+                </a:lnRef>
+                <a:fillRef idx="1">
+                  <a:schemeClr val="accent1"/>
+                </a:fillRef>
+                <a:effectRef idx="0">
+                  <a:schemeClr val="accent1"/>
+                </a:effectRef>
+                <a:fontRef idx="minor">
+                  <a:schemeClr val="lt1"/>
+                </a:fontRef>
+              </p:style>
+              <p:txBody>
+                <a:bodyPr rtlCol="0" anchor="ctr"/>
+                <a:lstStyle/>
+                <a:p>
+                  <a:pPr algn="ctr"/>
+                  <a:endParaRPr lang="en-US"/>
+                </a:p>
+              </p:txBody>
+            </p:sp>
+            <p:sp>
+              <p:nvSpPr>
+                <p:cNvPr id="93" name="Freeform: Shape 92">
+                  <a:extLst>
+                    <a:ext uri="{FF2B5EF4-FFF2-40B4-BE49-F238E27FC236}">
+                      <a16:creationId xmlns:a16="http://schemas.microsoft.com/office/drawing/2014/main" id="{EBC731B8-4A44-4BEB-BC8E-3E9F1A8BD20C}"/>
+                    </a:ext>
+                  </a:extLst>
+                </p:cNvPr>
+                <p:cNvSpPr/>
+                <p:nvPr/>
+              </p:nvSpPr>
+              <p:spPr>
+                <a:xfrm flipV="1">
+                  <a:off x="8177006" y="2045187"/>
+                  <a:ext cx="2026920" cy="723065"/>
+                </a:xfrm>
+                <a:custGeom>
+                  <a:avLst/>
+                  <a:gdLst>
+                    <a:gd name="connsiteX0" fmla="*/ 0 w 2026920"/>
+                    <a:gd name="connsiteY0" fmla="*/ 729343 h 731520"/>
+                    <a:gd name="connsiteX1" fmla="*/ 1021080 w 2026920"/>
+                    <a:gd name="connsiteY1" fmla="*/ 0 h 731520"/>
+                    <a:gd name="connsiteX2" fmla="*/ 2026920 w 2026920"/>
+                    <a:gd name="connsiteY2" fmla="*/ 731520 h 731520"/>
+                  </a:gdLst>
+                  <a:ahLst/>
+                  <a:cxnLst>
+                    <a:cxn ang="0">
+                      <a:pos x="connsiteX0" y="connsiteY0"/>
+                    </a:cxn>
+                    <a:cxn ang="0">
+                      <a:pos x="connsiteX1" y="connsiteY1"/>
+                    </a:cxn>
+                    <a:cxn ang="0">
+                      <a:pos x="connsiteX2" y="connsiteY2"/>
+                    </a:cxn>
+                  </a:cxnLst>
+                  <a:rect l="l" t="t" r="r" b="b"/>
+                  <a:pathLst>
+                    <a:path w="2026920" h="731520">
+                      <a:moveTo>
+                        <a:pt x="0" y="729343"/>
+                      </a:moveTo>
+                      <a:cubicBezTo>
+                        <a:pt x="341630" y="364490"/>
+                        <a:pt x="683260" y="-363"/>
+                        <a:pt x="1021080" y="0"/>
+                      </a:cubicBezTo>
+                      <a:cubicBezTo>
+                        <a:pt x="1358900" y="363"/>
+                        <a:pt x="1692910" y="365941"/>
+                        <a:pt x="2026920" y="731520"/>
+                      </a:cubicBezTo>
+                    </a:path>
+                  </a:pathLst>
+                </a:custGeom>
+                <a:noFill/>
+                <a:ln w="25400">
+                  <a:solidFill>
+                    <a:srgbClr val="00B050"/>
+                  </a:solidFill>
+                </a:ln>
+              </p:spPr>
+              <p:style>
+                <a:lnRef idx="2">
+                  <a:schemeClr val="accent1">
+                    <a:shade val="50000"/>
+                  </a:schemeClr>
+                </a:lnRef>
+                <a:fillRef idx="1">
+                  <a:schemeClr val="accent1"/>
+                </a:fillRef>
+                <a:effectRef idx="0">
+                  <a:schemeClr val="accent1"/>
+                </a:effectRef>
+                <a:fontRef idx="minor">
+                  <a:schemeClr val="lt1"/>
+                </a:fontRef>
+              </p:style>
+              <p:txBody>
+                <a:bodyPr rtlCol="0" anchor="ctr"/>
+                <a:lstStyle/>
+                <a:p>
+                  <a:pPr algn="ctr"/>
+                  <a:endParaRPr lang="en-US"/>
+                </a:p>
+              </p:txBody>
+            </p:sp>
+          </p:grpSp>
+        </p:grpSp>
+        <p:grpSp>
+          <p:nvGrpSpPr>
+            <p:cNvPr id="87" name="Group 86">
+              <a:extLst>
+                <a:ext uri="{FF2B5EF4-FFF2-40B4-BE49-F238E27FC236}">
+                  <a16:creationId xmlns:a16="http://schemas.microsoft.com/office/drawing/2014/main" id="{41081C88-0781-40C0-84BC-1E6D1D805B66}"/>
+                </a:ext>
+              </a:extLst>
+            </p:cNvPr>
+            <p:cNvGrpSpPr/>
+            <p:nvPr/>
+          </p:nvGrpSpPr>
+          <p:grpSpPr>
+            <a:xfrm>
+              <a:off x="4302223" y="1636077"/>
+              <a:ext cx="417055" cy="500269"/>
+              <a:chOff x="6158362" y="1321257"/>
+              <a:chExt cx="4045564" cy="1446995"/>
+            </a:xfrm>
+          </p:grpSpPr>
+          <p:sp>
+            <p:nvSpPr>
+              <p:cNvPr id="88" name="Freeform: Shape 87">
+                <a:extLst>
+                  <a:ext uri="{FF2B5EF4-FFF2-40B4-BE49-F238E27FC236}">
+                    <a16:creationId xmlns:a16="http://schemas.microsoft.com/office/drawing/2014/main" id="{D87EB2E2-6975-4E0B-A111-45204759ACF9}"/>
+                  </a:ext>
+                </a:extLst>
+              </p:cNvPr>
+              <p:cNvSpPr/>
+              <p:nvPr/>
+            </p:nvSpPr>
+            <p:spPr>
+              <a:xfrm>
+                <a:off x="6158362" y="1321257"/>
+                <a:ext cx="2026920" cy="731520"/>
+              </a:xfrm>
+              <a:custGeom>
+                <a:avLst/>
+                <a:gdLst>
+                  <a:gd name="connsiteX0" fmla="*/ 0 w 2026920"/>
+                  <a:gd name="connsiteY0" fmla="*/ 729343 h 731520"/>
+                  <a:gd name="connsiteX1" fmla="*/ 1021080 w 2026920"/>
+                  <a:gd name="connsiteY1" fmla="*/ 0 h 731520"/>
+                  <a:gd name="connsiteX2" fmla="*/ 2026920 w 2026920"/>
+                  <a:gd name="connsiteY2" fmla="*/ 731520 h 731520"/>
+                </a:gdLst>
+                <a:ahLst/>
+                <a:cxnLst>
+                  <a:cxn ang="0">
+                    <a:pos x="connsiteX0" y="connsiteY0"/>
+                  </a:cxn>
+                  <a:cxn ang="0">
+                    <a:pos x="connsiteX1" y="connsiteY1"/>
+                  </a:cxn>
+                  <a:cxn ang="0">
+                    <a:pos x="connsiteX2" y="connsiteY2"/>
+                  </a:cxn>
+                </a:cxnLst>
+                <a:rect l="l" t="t" r="r" b="b"/>
+                <a:pathLst>
+                  <a:path w="2026920" h="731520">
+                    <a:moveTo>
+                      <a:pt x="0" y="729343"/>
+                    </a:moveTo>
+                    <a:cubicBezTo>
+                      <a:pt x="341630" y="364490"/>
+                      <a:pt x="683260" y="-363"/>
+                      <a:pt x="1021080" y="0"/>
+                    </a:cubicBezTo>
+                    <a:cubicBezTo>
+                      <a:pt x="1358900" y="363"/>
+                      <a:pt x="1692910" y="365941"/>
+                      <a:pt x="2026920" y="731520"/>
+                    </a:cubicBezTo>
+                  </a:path>
+                </a:pathLst>
+              </a:custGeom>
+              <a:noFill/>
+              <a:ln w="25400">
+                <a:solidFill>
+                  <a:srgbClr val="00B050"/>
+                </a:solidFill>
+              </a:ln>
+            </p:spPr>
+            <p:style>
+              <a:lnRef idx="2">
+                <a:schemeClr val="accent1">
+                  <a:shade val="50000"/>
+                </a:schemeClr>
+              </a:lnRef>
+              <a:fillRef idx="1">
+                <a:schemeClr val="accent1"/>
+              </a:fillRef>
+              <a:effectRef idx="0">
+                <a:schemeClr val="accent1"/>
+              </a:effectRef>
+              <a:fontRef idx="minor">
+                <a:schemeClr val="lt1"/>
+              </a:fontRef>
+            </p:style>
+            <p:txBody>
+              <a:bodyPr rtlCol="0" anchor="ctr"/>
+              <a:lstStyle/>
+              <a:p>
+                <a:pPr algn="ctr"/>
+                <a:endParaRPr lang="en-US"/>
+              </a:p>
+            </p:txBody>
+          </p:sp>
+          <p:sp>
+            <p:nvSpPr>
+              <p:cNvPr id="89" name="Freeform: Shape 88">
+                <a:extLst>
+                  <a:ext uri="{FF2B5EF4-FFF2-40B4-BE49-F238E27FC236}">
+                    <a16:creationId xmlns:a16="http://schemas.microsoft.com/office/drawing/2014/main" id="{14012BFC-8566-4D5D-A446-6CF10008567A}"/>
+                  </a:ext>
+                </a:extLst>
+              </p:cNvPr>
+              <p:cNvSpPr/>
+              <p:nvPr/>
+            </p:nvSpPr>
+            <p:spPr>
+              <a:xfrm flipV="1">
+                <a:off x="8177006" y="2045187"/>
+                <a:ext cx="2026920" cy="723065"/>
+              </a:xfrm>
+              <a:custGeom>
+                <a:avLst/>
+                <a:gdLst>
+                  <a:gd name="connsiteX0" fmla="*/ 0 w 2026920"/>
+                  <a:gd name="connsiteY0" fmla="*/ 729343 h 731520"/>
+                  <a:gd name="connsiteX1" fmla="*/ 1021080 w 2026920"/>
+                  <a:gd name="connsiteY1" fmla="*/ 0 h 731520"/>
+                  <a:gd name="connsiteX2" fmla="*/ 2026920 w 2026920"/>
+                  <a:gd name="connsiteY2" fmla="*/ 731520 h 731520"/>
+                </a:gdLst>
+                <a:ahLst/>
+                <a:cxnLst>
+                  <a:cxn ang="0">
+                    <a:pos x="connsiteX0" y="connsiteY0"/>
+                  </a:cxn>
+                  <a:cxn ang="0">
+                    <a:pos x="connsiteX1" y="connsiteY1"/>
+                  </a:cxn>
+                  <a:cxn ang="0">
+                    <a:pos x="connsiteX2" y="connsiteY2"/>
+                  </a:cxn>
+                </a:cxnLst>
+                <a:rect l="l" t="t" r="r" b="b"/>
+                <a:pathLst>
+                  <a:path w="2026920" h="731520">
+                    <a:moveTo>
+                      <a:pt x="0" y="729343"/>
+                    </a:moveTo>
+                    <a:cubicBezTo>
+                      <a:pt x="341630" y="364490"/>
+                      <a:pt x="683260" y="-363"/>
+                      <a:pt x="1021080" y="0"/>
+                    </a:cubicBezTo>
+                    <a:cubicBezTo>
+                      <a:pt x="1358900" y="363"/>
+                      <a:pt x="1692910" y="365941"/>
+                      <a:pt x="2026920" y="731520"/>
+                    </a:cubicBezTo>
+                  </a:path>
+                </a:pathLst>
+              </a:custGeom>
+              <a:noFill/>
+              <a:ln w="25400">
+                <a:solidFill>
+                  <a:srgbClr val="00B050"/>
+                </a:solidFill>
+              </a:ln>
+            </p:spPr>
+            <p:style>
+              <a:lnRef idx="2">
+                <a:schemeClr val="accent1">
+                  <a:shade val="50000"/>
+                </a:schemeClr>
+              </a:lnRef>
+              <a:fillRef idx="1">
+                <a:schemeClr val="accent1"/>
+              </a:fillRef>
+              <a:effectRef idx="0">
+                <a:schemeClr val="accent1"/>
+              </a:effectRef>
+              <a:fontRef idx="minor">
+                <a:schemeClr val="lt1"/>
+              </a:fontRef>
+            </p:style>
+            <p:txBody>
+              <a:bodyPr rtlCol="0" anchor="ctr"/>
+              <a:lstStyle/>
+              <a:p>
+                <a:pPr algn="ctr"/>
+                <a:endParaRPr lang="en-US"/>
+              </a:p>
+            </p:txBody>
+          </p:sp>
+        </p:grpSp>
+      </p:grpSp>
     </p:spTree>
     <p:extLst>
       <p:ext uri="{BB962C8B-B14F-4D97-AF65-F5344CB8AC3E}">
